--- a/oops.pptx
+++ b/oops.pptx
@@ -6,19 +6,21 @@
   </p:sldMasterIdLst>
   <p:sldIdLst>
     <p:sldId id="264" r:id="rId2"/>
-    <p:sldId id="265" r:id="rId3"/>
-    <p:sldId id="266" r:id="rId4"/>
-    <p:sldId id="267" r:id="rId5"/>
-    <p:sldId id="262" r:id="rId6"/>
-    <p:sldId id="257" r:id="rId7"/>
-    <p:sldId id="258" r:id="rId8"/>
-    <p:sldId id="259" r:id="rId9"/>
-    <p:sldId id="260" r:id="rId10"/>
-    <p:sldId id="261" r:id="rId11"/>
-    <p:sldId id="263" r:id="rId12"/>
-    <p:sldId id="268" r:id="rId13"/>
-    <p:sldId id="270" r:id="rId14"/>
-    <p:sldId id="269" r:id="rId15"/>
+    <p:sldId id="272" r:id="rId3"/>
+    <p:sldId id="271" r:id="rId4"/>
+    <p:sldId id="265" r:id="rId5"/>
+    <p:sldId id="266" r:id="rId6"/>
+    <p:sldId id="267" r:id="rId7"/>
+    <p:sldId id="262" r:id="rId8"/>
+    <p:sldId id="257" r:id="rId9"/>
+    <p:sldId id="258" r:id="rId10"/>
+    <p:sldId id="259" r:id="rId11"/>
+    <p:sldId id="260" r:id="rId12"/>
+    <p:sldId id="261" r:id="rId13"/>
+    <p:sldId id="263" r:id="rId14"/>
+    <p:sldId id="268" r:id="rId15"/>
+    <p:sldId id="270" r:id="rId16"/>
+    <p:sldId id="269" r:id="rId17"/>
   </p:sldIdLst>
   <p:sldSz cx="12192000" cy="6858000"/>
   <p:notesSz cx="6858000" cy="9144000"/>
@@ -117,6 +119,11 @@
       </a:defRPr>
     </a:lvl9pPr>
   </p:defaultTextStyle>
+  <p:extLst>
+    <p:ext uri="{EFAFB233-063F-42B5-8137-9DF3F51BA10A}">
+      <p15:sldGuideLst xmlns:p15="http://schemas.microsoft.com/office/powerpoint/2012/main"/>
+    </p:ext>
+  </p:extLst>
 </p:presentation>
 </file>
 
@@ -269,7 +276,7 @@
           <a:p>
             <a:fld id="{2D7B245B-5E3D-4C03-BA5F-102F009C1542}" type="datetimeFigureOut">
               <a:rPr lang="en-IN" smtClean="0"/>
-              <a:t>04-11-2025</a:t>
+              <a:t>05-11-2025</a:t>
             </a:fld>
             <a:endParaRPr lang="en-IN"/>
           </a:p>
@@ -469,7 +476,7 @@
           <a:p>
             <a:fld id="{2D7B245B-5E3D-4C03-BA5F-102F009C1542}" type="datetimeFigureOut">
               <a:rPr lang="en-IN" smtClean="0"/>
-              <a:t>04-11-2025</a:t>
+              <a:t>05-11-2025</a:t>
             </a:fld>
             <a:endParaRPr lang="en-IN"/>
           </a:p>
@@ -679,7 +686,7 @@
           <a:p>
             <a:fld id="{2D7B245B-5E3D-4C03-BA5F-102F009C1542}" type="datetimeFigureOut">
               <a:rPr lang="en-IN" smtClean="0"/>
-              <a:t>04-11-2025</a:t>
+              <a:t>05-11-2025</a:t>
             </a:fld>
             <a:endParaRPr lang="en-IN"/>
           </a:p>
@@ -879,7 +886,7 @@
           <a:p>
             <a:fld id="{2D7B245B-5E3D-4C03-BA5F-102F009C1542}" type="datetimeFigureOut">
               <a:rPr lang="en-IN" smtClean="0"/>
-              <a:t>04-11-2025</a:t>
+              <a:t>05-11-2025</a:t>
             </a:fld>
             <a:endParaRPr lang="en-IN"/>
           </a:p>
@@ -1155,7 +1162,7 @@
           <a:p>
             <a:fld id="{2D7B245B-5E3D-4C03-BA5F-102F009C1542}" type="datetimeFigureOut">
               <a:rPr lang="en-IN" smtClean="0"/>
-              <a:t>04-11-2025</a:t>
+              <a:t>05-11-2025</a:t>
             </a:fld>
             <a:endParaRPr lang="en-IN"/>
           </a:p>
@@ -1423,7 +1430,7 @@
           <a:p>
             <a:fld id="{2D7B245B-5E3D-4C03-BA5F-102F009C1542}" type="datetimeFigureOut">
               <a:rPr lang="en-IN" smtClean="0"/>
-              <a:t>04-11-2025</a:t>
+              <a:t>05-11-2025</a:t>
             </a:fld>
             <a:endParaRPr lang="en-IN"/>
           </a:p>
@@ -1838,7 +1845,7 @@
           <a:p>
             <a:fld id="{2D7B245B-5E3D-4C03-BA5F-102F009C1542}" type="datetimeFigureOut">
               <a:rPr lang="en-IN" smtClean="0"/>
-              <a:t>04-11-2025</a:t>
+              <a:t>05-11-2025</a:t>
             </a:fld>
             <a:endParaRPr lang="en-IN"/>
           </a:p>
@@ -1980,7 +1987,7 @@
           <a:p>
             <a:fld id="{2D7B245B-5E3D-4C03-BA5F-102F009C1542}" type="datetimeFigureOut">
               <a:rPr lang="en-IN" smtClean="0"/>
-              <a:t>04-11-2025</a:t>
+              <a:t>05-11-2025</a:t>
             </a:fld>
             <a:endParaRPr lang="en-IN"/>
           </a:p>
@@ -2093,7 +2100,7 @@
           <a:p>
             <a:fld id="{2D7B245B-5E3D-4C03-BA5F-102F009C1542}" type="datetimeFigureOut">
               <a:rPr lang="en-IN" smtClean="0"/>
-              <a:t>04-11-2025</a:t>
+              <a:t>05-11-2025</a:t>
             </a:fld>
             <a:endParaRPr lang="en-IN"/>
           </a:p>
@@ -2406,7 +2413,7 @@
           <a:p>
             <a:fld id="{2D7B245B-5E3D-4C03-BA5F-102F009C1542}" type="datetimeFigureOut">
               <a:rPr lang="en-IN" smtClean="0"/>
-              <a:t>04-11-2025</a:t>
+              <a:t>05-11-2025</a:t>
             </a:fld>
             <a:endParaRPr lang="en-IN"/>
           </a:p>
@@ -2695,7 +2702,7 @@
           <a:p>
             <a:fld id="{2D7B245B-5E3D-4C03-BA5F-102F009C1542}" type="datetimeFigureOut">
               <a:rPr lang="en-IN" smtClean="0"/>
-              <a:t>04-11-2025</a:t>
+              <a:t>05-11-2025</a:t>
             </a:fld>
             <a:endParaRPr lang="en-IN"/>
           </a:p>
@@ -2938,7 +2945,7 @@
           <a:p>
             <a:fld id="{2D7B245B-5E3D-4C03-BA5F-102F009C1542}" type="datetimeFigureOut">
               <a:rPr lang="en-IN" smtClean="0"/>
-              <a:t>04-11-2025</a:t>
+              <a:t>05-11-2025</a:t>
             </a:fld>
             <a:endParaRPr lang="en-IN"/>
           </a:p>
@@ -3516,7 +3523,7 @@
           <p:cNvPr id="2" name="Title 1">
             <a:extLst>
               <a:ext uri="{FF2B5EF4-FFF2-40B4-BE49-F238E27FC236}">
-                <a16:creationId xmlns:a16="http://schemas.microsoft.com/office/drawing/2014/main" id="{038A16A3-5145-E9A5-8BD1-C0A234F7188F}"/>
+                <a16:creationId xmlns:a16="http://schemas.microsoft.com/office/drawing/2014/main" id="{3C8929DE-4B4E-165F-2EC9-9E0B021F4E60}"/>
               </a:ext>
             </a:extLst>
           </p:cNvPr>
@@ -3534,17 +3541,8 @@
           <a:p>
             <a:r>
               <a:rPr lang="en-IN" dirty="0"/>
-              <a:t>Polymorphism: </a:t>
-            </a:r>
-            <a:r>
-              <a:rPr lang="en-US" sz="2400" dirty="0"/>
-              <a:t>In Java the ability of one reference to behave in different forms</a:t>
-            </a:r>
-            <a:r>
-              <a:rPr lang="en-US" dirty="0"/>
-              <a:t>.</a:t>
-            </a:r>
-            <a:endParaRPr lang="en-IN" dirty="0"/>
+              <a:t>Inheritance </a:t>
+            </a:r>
           </a:p>
         </p:txBody>
       </p:sp>
@@ -3553,7 +3551,7 @@
           <p:cNvPr id="3" name="Content Placeholder 2">
             <a:extLst>
               <a:ext uri="{FF2B5EF4-FFF2-40B4-BE49-F238E27FC236}">
-                <a16:creationId xmlns:a16="http://schemas.microsoft.com/office/drawing/2014/main" id="{A8638590-ECC6-3F27-1569-CD98FCB656CA}"/>
+                <a16:creationId xmlns:a16="http://schemas.microsoft.com/office/drawing/2014/main" id="{1573CE01-18DB-7C80-EDC6-48F01B50DBAC}"/>
               </a:ext>
             </a:extLst>
           </p:cNvPr>
@@ -3564,53 +3562,250 @@
             <p:ph idx="1"/>
           </p:nvPr>
         </p:nvSpPr>
-        <p:spPr/>
+        <p:spPr>
+          <a:xfrm>
+            <a:off x="838200" y="1298448"/>
+            <a:ext cx="10515600" cy="5495544"/>
+          </a:xfrm>
+        </p:spPr>
         <p:txBody>
           <a:bodyPr>
-            <a:normAutofit/>
+            <a:noAutofit/>
           </a:bodyPr>
           <a:lstStyle/>
           <a:p>
-            <a:pPr marL="0" indent="0" fontAlgn="base">
-              <a:buNone/>
-            </a:pPr>
-            <a:r>
-              <a:rPr lang="en-US" dirty="0"/>
-              <a:t>In Java Polymorphism is mainly divided into two types: </a:t>
-            </a:r>
-          </a:p>
-          <a:p>
-            <a:pPr fontAlgn="base"/>
-            <a:r>
-              <a:rPr lang="en-US" dirty="0"/>
-              <a:t>Compile-Time Polymorphism (method overloading)</a:t>
-            </a:r>
-          </a:p>
-          <a:p>
-            <a:pPr fontAlgn="base"/>
-            <a:r>
-              <a:rPr lang="en-US" dirty="0"/>
-              <a:t>Runtime Polymorphism (method overriding)</a:t>
-            </a:r>
-          </a:p>
-          <a:p>
-            <a:pPr marL="0" indent="0" fontAlgn="base">
-              <a:buNone/>
-            </a:pPr>
-            <a:endParaRPr lang="en-US" dirty="0"/>
-          </a:p>
-          <a:p>
-            <a:pPr marL="0" indent="0" fontAlgn="base">
-              <a:buNone/>
-            </a:pPr>
-            <a:endParaRPr lang="en-US" dirty="0"/>
+            <a:pPr marL="0" indent="0">
+              <a:buNone/>
+            </a:pPr>
+            <a:r>
+              <a:rPr lang="en-IN" sz="1800" b="1" dirty="0"/>
+              <a:t>acquires the properties and behaviours</a:t>
+            </a:r>
+            <a:r>
+              <a:rPr lang="en-IN" sz="1800" dirty="0"/>
+              <a:t> of another class (parent).</a:t>
+            </a:r>
+            <a:endParaRPr lang="en-IN" sz="1800" b="0" dirty="0">
+              <a:effectLst/>
+            </a:endParaRPr>
+          </a:p>
+          <a:p>
+            <a:pPr marL="0" indent="0">
+              <a:buNone/>
+            </a:pPr>
+            <a:r>
+              <a:rPr lang="en-IN" sz="1800" dirty="0"/>
+              <a:t>It promotes </a:t>
+            </a:r>
+            <a:r>
+              <a:rPr lang="en-IN" sz="1800" b="1" dirty="0"/>
+              <a:t>code reusability</a:t>
+            </a:r>
+            <a:r>
+              <a:rPr lang="en-IN" sz="1800" dirty="0"/>
+              <a:t> and </a:t>
+            </a:r>
+            <a:r>
+              <a:rPr lang="en-IN" sz="1800" b="1" dirty="0"/>
+              <a:t>method overriding</a:t>
+            </a:r>
+            <a:r>
+              <a:rPr lang="en-IN" sz="1800" dirty="0"/>
+              <a:t> (polymorphism).</a:t>
+            </a:r>
+            <a:endParaRPr lang="en-IN" sz="1800" b="0" dirty="0">
+              <a:effectLst/>
+            </a:endParaRPr>
+          </a:p>
+          <a:p>
+            <a:pPr marL="0" indent="0">
+              <a:buNone/>
+            </a:pPr>
+            <a:r>
+              <a:rPr lang="en-IN" sz="1800" dirty="0"/>
+              <a:t>class Animal {</a:t>
+            </a:r>
+            <a:endParaRPr lang="en-IN" sz="1800" b="0" dirty="0">
+              <a:effectLst/>
+            </a:endParaRPr>
+          </a:p>
+          <a:p>
+            <a:pPr marL="0" indent="0">
+              <a:buNone/>
+            </a:pPr>
+            <a:r>
+              <a:rPr lang="en-IN" sz="1800" dirty="0"/>
+              <a:t>    void eat() {</a:t>
+            </a:r>
+            <a:endParaRPr lang="en-IN" sz="1800" b="0" dirty="0">
+              <a:effectLst/>
+            </a:endParaRPr>
+          </a:p>
+          <a:p>
+            <a:pPr marL="0" indent="0">
+              <a:buNone/>
+            </a:pPr>
+            <a:r>
+              <a:rPr lang="en-IN" sz="1800" dirty="0"/>
+              <a:t>        </a:t>
+            </a:r>
+            <a:r>
+              <a:rPr lang="en-IN" sz="1800" dirty="0" err="1"/>
+              <a:t>System.out.println</a:t>
+            </a:r>
+            <a:r>
+              <a:rPr lang="en-IN" sz="1800" dirty="0"/>
+              <a:t>("Animal eats food");</a:t>
+            </a:r>
+            <a:endParaRPr lang="en-IN" sz="1800" b="0" dirty="0">
+              <a:effectLst/>
+            </a:endParaRPr>
+          </a:p>
+          <a:p>
+            <a:pPr marL="0" indent="0">
+              <a:buNone/>
+            </a:pPr>
+            <a:r>
+              <a:rPr lang="en-IN" sz="1800" dirty="0"/>
+              <a:t>    }</a:t>
+            </a:r>
+            <a:endParaRPr lang="en-IN" sz="1800" b="0" dirty="0">
+              <a:effectLst/>
+            </a:endParaRPr>
+          </a:p>
+          <a:p>
+            <a:pPr marL="0" indent="0">
+              <a:buNone/>
+            </a:pPr>
+            <a:r>
+              <a:rPr lang="en-IN" sz="1800" dirty="0"/>
+              <a:t>}</a:t>
+            </a:r>
+            <a:endParaRPr lang="en-IN" sz="1800" b="0" dirty="0">
+              <a:effectLst/>
+            </a:endParaRPr>
+          </a:p>
+          <a:p>
+            <a:pPr marL="0" indent="0">
+              <a:buNone/>
+            </a:pPr>
+            <a:br>
+              <a:rPr lang="en-IN" sz="1800" b="0" dirty="0">
+                <a:effectLst/>
+              </a:rPr>
+            </a:br>
+            <a:endParaRPr lang="en-IN" sz="1800" b="0" dirty="0">
+              <a:effectLst/>
+            </a:endParaRPr>
+          </a:p>
+          <a:p>
+            <a:pPr marL="0" indent="0">
+              <a:buNone/>
+            </a:pPr>
+            <a:r>
+              <a:rPr lang="en-IN" sz="1800" dirty="0"/>
+              <a:t>// Child class (inherits Animal)</a:t>
+            </a:r>
+            <a:endParaRPr lang="en-IN" sz="1800" b="0" dirty="0">
+              <a:effectLst/>
+            </a:endParaRPr>
+          </a:p>
+          <a:p>
+            <a:pPr marL="0" indent="0">
+              <a:buNone/>
+            </a:pPr>
+            <a:r>
+              <a:rPr lang="en-IN" sz="1800" dirty="0"/>
+              <a:t>class Dog extends Animal {</a:t>
+            </a:r>
+            <a:endParaRPr lang="en-IN" sz="1800" b="0" dirty="0">
+              <a:effectLst/>
+            </a:endParaRPr>
+          </a:p>
+          <a:p>
+            <a:pPr marL="0" indent="0">
+              <a:buNone/>
+            </a:pPr>
+            <a:r>
+              <a:rPr lang="en-IN" sz="1800" dirty="0"/>
+              <a:t>    void bark() {</a:t>
+            </a:r>
+            <a:endParaRPr lang="en-IN" sz="1800" b="0" dirty="0">
+              <a:effectLst/>
+            </a:endParaRPr>
+          </a:p>
+          <a:p>
+            <a:pPr marL="0" indent="0">
+              <a:buNone/>
+            </a:pPr>
+            <a:r>
+              <a:rPr lang="en-IN" sz="1800" dirty="0"/>
+              <a:t>        </a:t>
+            </a:r>
+            <a:r>
+              <a:rPr lang="en-IN" sz="1800" dirty="0" err="1"/>
+              <a:t>System.out.println</a:t>
+            </a:r>
+            <a:r>
+              <a:rPr lang="en-IN" sz="1800" dirty="0"/>
+              <a:t>("Dog barks");</a:t>
+            </a:r>
+            <a:endParaRPr lang="en-IN" sz="1800" b="0" dirty="0">
+              <a:effectLst/>
+            </a:endParaRPr>
+          </a:p>
+          <a:p>
+            <a:pPr marL="0" indent="0">
+              <a:buNone/>
+            </a:pPr>
+            <a:r>
+              <a:rPr lang="en-IN" sz="1800" dirty="0"/>
+              <a:t>    }</a:t>
+            </a:r>
+            <a:endParaRPr lang="en-IN" sz="1800" b="0" dirty="0">
+              <a:effectLst/>
+            </a:endParaRPr>
+          </a:p>
+          <a:p>
+            <a:pPr marL="0" indent="0">
+              <a:buNone/>
+            </a:pPr>
+            <a:r>
+              <a:rPr lang="en-IN" sz="1800" dirty="0"/>
+              <a:t>}</a:t>
+            </a:r>
+            <a:endParaRPr lang="en-IN" sz="1800" b="0" dirty="0">
+              <a:effectLst/>
+            </a:endParaRPr>
+          </a:p>
+          <a:p>
+            <a:pPr marL="0" indent="0">
+              <a:buNone/>
+            </a:pPr>
+            <a:br>
+              <a:rPr lang="en-IN" sz="1800" b="0" dirty="0">
+                <a:effectLst/>
+              </a:rPr>
+            </a:br>
+            <a:endParaRPr lang="en-IN" sz="1800" b="0" dirty="0">
+              <a:effectLst/>
+            </a:endParaRPr>
+          </a:p>
+          <a:p>
+            <a:pPr marL="0" indent="0">
+              <a:buNone/>
+            </a:pPr>
+            <a:br>
+              <a:rPr lang="en-IN" sz="1800" dirty="0"/>
+            </a:br>
+            <a:endParaRPr lang="en-IN" sz="1800" dirty="0"/>
           </a:p>
         </p:txBody>
       </p:sp>
     </p:spTree>
     <p:extLst>
       <p:ext uri="{BB962C8B-B14F-4D97-AF65-F5344CB8AC3E}">
-        <p14:creationId xmlns:p14="http://schemas.microsoft.com/office/powerpoint/2010/main" val="3887066184"/>
+        <p14:creationId xmlns:p14="http://schemas.microsoft.com/office/powerpoint/2010/main" val="3386317900"/>
       </p:ext>
     </p:extLst>
   </p:cSld>
@@ -3639,18 +3834,18 @@
       </p:grpSpPr>
       <p:sp>
         <p:nvSpPr>
-          <p:cNvPr id="3" name="Content Placeholder 2">
-            <a:extLst>
-              <a:ext uri="{FF2B5EF4-FFF2-40B4-BE49-F238E27FC236}">
-                <a16:creationId xmlns:a16="http://schemas.microsoft.com/office/drawing/2014/main" id="{92EC0963-5BD2-87AB-9A67-AF8DC851F9AD}"/>
-              </a:ext>
-            </a:extLst>
-          </p:cNvPr>
-          <p:cNvSpPr>
-            <a:spLocks noGrp="1"/>
-          </p:cNvSpPr>
-          <p:nvPr>
-            <p:ph idx="1"/>
+          <p:cNvPr id="2" name="Title 1">
+            <a:extLst>
+              <a:ext uri="{FF2B5EF4-FFF2-40B4-BE49-F238E27FC236}">
+                <a16:creationId xmlns:a16="http://schemas.microsoft.com/office/drawing/2014/main" id="{483AE3D8-0BFF-2260-576D-C53D7CBDCE96}"/>
+              </a:ext>
+            </a:extLst>
+          </p:cNvPr>
+          <p:cNvSpPr>
+            <a:spLocks noGrp="1"/>
+          </p:cNvSpPr>
+          <p:nvPr>
+            <p:ph type="title"/>
           </p:nvPr>
         </p:nvSpPr>
         <p:spPr/>
@@ -3658,44 +3853,195 @@
           <a:bodyPr/>
           <a:lstStyle/>
           <a:p>
-            <a:pPr fontAlgn="base"/>
             <a:r>
               <a:rPr lang="en-US" dirty="0"/>
-              <a:t>Overloading? Method name is same signature will be different</a:t>
-            </a:r>
-          </a:p>
-          <a:p>
-            <a:pPr marL="0" indent="0" fontAlgn="base">
-              <a:buNone/>
-            </a:pPr>
-            <a:r>
-              <a:rPr lang="en-US" dirty="0"/>
-              <a:t>    In same class</a:t>
-            </a:r>
-          </a:p>
-          <a:p>
-            <a:pPr fontAlgn="base"/>
-            <a:r>
-              <a:rPr lang="en-US" dirty="0"/>
-              <a:t>Overriding? when a subclass provides a specific implementation of a method that is already defined in its superclass.</a:t>
-            </a:r>
-          </a:p>
-          <a:p>
-            <a:pPr marL="0" indent="0" fontAlgn="base">
-              <a:buNone/>
-            </a:pPr>
-            <a:r>
-              <a:rPr lang="en-US" dirty="0"/>
-              <a:t>      In Inheritance</a:t>
+              <a:t>Abstraction</a:t>
             </a:r>
             <a:endParaRPr lang="en-IN" dirty="0"/>
+          </a:p>
+        </p:txBody>
+      </p:sp>
+      <p:sp>
+        <p:nvSpPr>
+          <p:cNvPr id="3" name="Content Placeholder 2">
+            <a:extLst>
+              <a:ext uri="{FF2B5EF4-FFF2-40B4-BE49-F238E27FC236}">
+                <a16:creationId xmlns:a16="http://schemas.microsoft.com/office/drawing/2014/main" id="{3100568E-5638-5BF0-2749-A96E93BE48F2}"/>
+              </a:ext>
+            </a:extLst>
+          </p:cNvPr>
+          <p:cNvSpPr>
+            <a:spLocks noGrp="1"/>
+          </p:cNvSpPr>
+          <p:nvPr>
+            <p:ph idx="1"/>
+          </p:nvPr>
+        </p:nvSpPr>
+        <p:spPr/>
+        <p:txBody>
+          <a:bodyPr>
+            <a:noAutofit/>
+          </a:bodyPr>
+          <a:lstStyle/>
+          <a:p>
+            <a:pPr marL="0" indent="0">
+              <a:buNone/>
+            </a:pPr>
+            <a:r>
+              <a:rPr lang="en-US" sz="2000" dirty="0"/>
+              <a:t>hiding implementation details and showing only the required functionality.</a:t>
+            </a:r>
+            <a:endParaRPr lang="en-IN" sz="2000" dirty="0"/>
+          </a:p>
+          <a:p>
+            <a:pPr marL="0" indent="0">
+              <a:buNone/>
+            </a:pPr>
+            <a:r>
+              <a:rPr lang="en-IN" sz="2000" dirty="0"/>
+              <a:t>To Achieve 100 % abstraction</a:t>
+            </a:r>
+          </a:p>
+          <a:p>
+            <a:pPr marL="0" indent="0">
+              <a:buNone/>
+            </a:pPr>
+            <a:r>
+              <a:rPr lang="en-IN" sz="2000" dirty="0"/>
+              <a:t>interface Shape {</a:t>
+            </a:r>
+            <a:endParaRPr lang="en-IN" sz="2000" b="0" dirty="0">
+              <a:effectLst/>
+            </a:endParaRPr>
+          </a:p>
+          <a:p>
+            <a:pPr marL="0" indent="0">
+              <a:buNone/>
+            </a:pPr>
+            <a:r>
+              <a:rPr lang="en-IN" sz="2000" dirty="0"/>
+              <a:t>    void draw(); // </a:t>
+            </a:r>
+            <a:r>
+              <a:rPr lang="en-IN" sz="2000" dirty="0" err="1"/>
+              <a:t>behavior</a:t>
+            </a:r>
+            <a:r>
+              <a:rPr lang="en-IN" sz="2000" dirty="0"/>
+              <a:t> only</a:t>
+            </a:r>
+            <a:endParaRPr lang="en-IN" sz="2000" b="0" dirty="0">
+              <a:effectLst/>
+            </a:endParaRPr>
+          </a:p>
+          <a:p>
+            <a:pPr marL="0" indent="0">
+              <a:buNone/>
+            </a:pPr>
+            <a:r>
+              <a:rPr lang="en-IN" sz="2000" dirty="0"/>
+              <a:t>}</a:t>
+            </a:r>
+            <a:endParaRPr lang="en-IN" sz="2000" b="0" dirty="0">
+              <a:effectLst/>
+            </a:endParaRPr>
+          </a:p>
+          <a:p>
+            <a:pPr marL="0" indent="0">
+              <a:buNone/>
+            </a:pPr>
+            <a:br>
+              <a:rPr lang="en-IN" sz="2000" b="0" dirty="0">
+                <a:effectLst/>
+              </a:rPr>
+            </a:br>
+            <a:endParaRPr lang="en-IN" sz="2000" b="0" dirty="0">
+              <a:effectLst/>
+            </a:endParaRPr>
+          </a:p>
+          <a:p>
+            <a:pPr marL="0" indent="0">
+              <a:buNone/>
+            </a:pPr>
+            <a:r>
+              <a:rPr lang="en-IN" sz="2000" dirty="0"/>
+              <a:t>abstract class Animal {</a:t>
+            </a:r>
+            <a:endParaRPr lang="en-IN" sz="2000" b="0" dirty="0">
+              <a:effectLst/>
+            </a:endParaRPr>
+          </a:p>
+          <a:p>
+            <a:pPr marL="0" indent="0">
+              <a:buNone/>
+            </a:pPr>
+            <a:r>
+              <a:rPr lang="en-IN" sz="2000" dirty="0"/>
+              <a:t>    abstract void sound();  // abstract method</a:t>
+            </a:r>
+            <a:endParaRPr lang="en-IN" sz="2000" b="0" dirty="0">
+              <a:effectLst/>
+            </a:endParaRPr>
+          </a:p>
+          <a:p>
+            <a:pPr marL="0" indent="0">
+              <a:buNone/>
+            </a:pPr>
+            <a:r>
+              <a:rPr lang="en-IN" sz="2000" dirty="0"/>
+              <a:t>    void sleep() {         // concrete method</a:t>
+            </a:r>
+            <a:endParaRPr lang="en-IN" sz="2000" b="0" dirty="0">
+              <a:effectLst/>
+            </a:endParaRPr>
+          </a:p>
+          <a:p>
+            <a:pPr marL="0" indent="0">
+              <a:buNone/>
+            </a:pPr>
+            <a:r>
+              <a:rPr lang="en-IN" sz="2000" dirty="0"/>
+              <a:t>        </a:t>
+            </a:r>
+            <a:r>
+              <a:rPr lang="en-IN" sz="2000" dirty="0" err="1"/>
+              <a:t>System.out.println</a:t>
+            </a:r>
+            <a:r>
+              <a:rPr lang="en-IN" sz="2000" dirty="0"/>
+              <a:t>("Sleeping");</a:t>
+            </a:r>
+            <a:endParaRPr lang="en-IN" sz="2000" b="0" dirty="0">
+              <a:effectLst/>
+            </a:endParaRPr>
+          </a:p>
+          <a:p>
+            <a:pPr marL="0" indent="0">
+              <a:buNone/>
+            </a:pPr>
+            <a:r>
+              <a:rPr lang="en-IN" sz="2000" dirty="0"/>
+              <a:t>    }</a:t>
+            </a:r>
+            <a:endParaRPr lang="en-IN" sz="2000" b="0" dirty="0">
+              <a:effectLst/>
+            </a:endParaRPr>
+          </a:p>
+          <a:p>
+            <a:pPr marL="0" indent="0">
+              <a:buNone/>
+            </a:pPr>
+            <a:br>
+              <a:rPr lang="en-IN" sz="2000" dirty="0"/>
+            </a:br>
+            <a:endParaRPr lang="en-IN" sz="2000" dirty="0"/>
           </a:p>
         </p:txBody>
       </p:sp>
     </p:spTree>
     <p:extLst>
       <p:ext uri="{BB962C8B-B14F-4D97-AF65-F5344CB8AC3E}">
-        <p14:creationId xmlns:p14="http://schemas.microsoft.com/office/powerpoint/2010/main" val="3013133483"/>
+        <p14:creationId xmlns:p14="http://schemas.microsoft.com/office/powerpoint/2010/main" val="2646381171"/>
       </p:ext>
     </p:extLst>
   </p:cSld>
@@ -3727,6 +4073,217 @@
           <p:cNvPr id="2" name="Title 1">
             <a:extLst>
               <a:ext uri="{FF2B5EF4-FFF2-40B4-BE49-F238E27FC236}">
+                <a16:creationId xmlns:a16="http://schemas.microsoft.com/office/drawing/2014/main" id="{038A16A3-5145-E9A5-8BD1-C0A234F7188F}"/>
+              </a:ext>
+            </a:extLst>
+          </p:cNvPr>
+          <p:cNvSpPr>
+            <a:spLocks noGrp="1"/>
+          </p:cNvSpPr>
+          <p:nvPr>
+            <p:ph type="title"/>
+          </p:nvPr>
+        </p:nvSpPr>
+        <p:spPr/>
+        <p:txBody>
+          <a:bodyPr/>
+          <a:lstStyle/>
+          <a:p>
+            <a:r>
+              <a:rPr lang="en-IN" dirty="0"/>
+              <a:t>Polymorphism: </a:t>
+            </a:r>
+            <a:r>
+              <a:rPr lang="en-US" sz="2400" dirty="0"/>
+              <a:t>In Java the ability of one reference to behave in different forms</a:t>
+            </a:r>
+            <a:r>
+              <a:rPr lang="en-US" dirty="0"/>
+              <a:t>.</a:t>
+            </a:r>
+            <a:endParaRPr lang="en-IN" dirty="0"/>
+          </a:p>
+        </p:txBody>
+      </p:sp>
+      <p:sp>
+        <p:nvSpPr>
+          <p:cNvPr id="3" name="Content Placeholder 2">
+            <a:extLst>
+              <a:ext uri="{FF2B5EF4-FFF2-40B4-BE49-F238E27FC236}">
+                <a16:creationId xmlns:a16="http://schemas.microsoft.com/office/drawing/2014/main" id="{A8638590-ECC6-3F27-1569-CD98FCB656CA}"/>
+              </a:ext>
+            </a:extLst>
+          </p:cNvPr>
+          <p:cNvSpPr>
+            <a:spLocks noGrp="1"/>
+          </p:cNvSpPr>
+          <p:nvPr>
+            <p:ph idx="1"/>
+          </p:nvPr>
+        </p:nvSpPr>
+        <p:spPr/>
+        <p:txBody>
+          <a:bodyPr>
+            <a:normAutofit/>
+          </a:bodyPr>
+          <a:lstStyle/>
+          <a:p>
+            <a:pPr marL="0" indent="0" fontAlgn="base">
+              <a:buNone/>
+            </a:pPr>
+            <a:r>
+              <a:rPr lang="en-US" dirty="0"/>
+              <a:t>In Java Polymorphism is mainly divided into two types: </a:t>
+            </a:r>
+          </a:p>
+          <a:p>
+            <a:pPr fontAlgn="base"/>
+            <a:r>
+              <a:rPr lang="en-US" dirty="0"/>
+              <a:t>Compile-Time Polymorphism (method overloading)</a:t>
+            </a:r>
+          </a:p>
+          <a:p>
+            <a:pPr fontAlgn="base"/>
+            <a:r>
+              <a:rPr lang="en-US" dirty="0"/>
+              <a:t>Runtime Polymorphism (method overriding)</a:t>
+            </a:r>
+          </a:p>
+          <a:p>
+            <a:pPr marL="0" indent="0" fontAlgn="base">
+              <a:buNone/>
+            </a:pPr>
+            <a:endParaRPr lang="en-US" dirty="0"/>
+          </a:p>
+          <a:p>
+            <a:pPr marL="0" indent="0" fontAlgn="base">
+              <a:buNone/>
+            </a:pPr>
+            <a:endParaRPr lang="en-US" dirty="0"/>
+          </a:p>
+        </p:txBody>
+      </p:sp>
+    </p:spTree>
+    <p:extLst>
+      <p:ext uri="{BB962C8B-B14F-4D97-AF65-F5344CB8AC3E}">
+        <p14:creationId xmlns:p14="http://schemas.microsoft.com/office/powerpoint/2010/main" val="3887066184"/>
+      </p:ext>
+    </p:extLst>
+  </p:cSld>
+  <p:clrMapOvr>
+    <a:masterClrMapping/>
+  </p:clrMapOvr>
+</p:sld>
+</file>
+
+<file path=ppt/slides/slide13.xml><?xml version="1.0" encoding="utf-8"?>
+<p:sld xmlns:a="http://schemas.openxmlformats.org/drawingml/2006/main" xmlns:r="http://schemas.openxmlformats.org/officeDocument/2006/relationships" xmlns:p="http://schemas.openxmlformats.org/presentationml/2006/main">
+  <p:cSld>
+    <p:spTree>
+      <p:nvGrpSpPr>
+        <p:cNvPr id="1" name=""/>
+        <p:cNvGrpSpPr/>
+        <p:nvPr/>
+      </p:nvGrpSpPr>
+      <p:grpSpPr>
+        <a:xfrm>
+          <a:off x="0" y="0"/>
+          <a:ext cx="0" cy="0"/>
+          <a:chOff x="0" y="0"/>
+          <a:chExt cx="0" cy="0"/>
+        </a:xfrm>
+      </p:grpSpPr>
+      <p:sp>
+        <p:nvSpPr>
+          <p:cNvPr id="3" name="Content Placeholder 2">
+            <a:extLst>
+              <a:ext uri="{FF2B5EF4-FFF2-40B4-BE49-F238E27FC236}">
+                <a16:creationId xmlns:a16="http://schemas.microsoft.com/office/drawing/2014/main" id="{92EC0963-5BD2-87AB-9A67-AF8DC851F9AD}"/>
+              </a:ext>
+            </a:extLst>
+          </p:cNvPr>
+          <p:cNvSpPr>
+            <a:spLocks noGrp="1"/>
+          </p:cNvSpPr>
+          <p:nvPr>
+            <p:ph idx="1"/>
+          </p:nvPr>
+        </p:nvSpPr>
+        <p:spPr/>
+        <p:txBody>
+          <a:bodyPr/>
+          <a:lstStyle/>
+          <a:p>
+            <a:pPr fontAlgn="base"/>
+            <a:r>
+              <a:rPr lang="en-US" dirty="0"/>
+              <a:t>Overloading? Method name is same signature will be different</a:t>
+            </a:r>
+          </a:p>
+          <a:p>
+            <a:pPr marL="0" indent="0" fontAlgn="base">
+              <a:buNone/>
+            </a:pPr>
+            <a:r>
+              <a:rPr lang="en-US" dirty="0"/>
+              <a:t>    In same class</a:t>
+            </a:r>
+          </a:p>
+          <a:p>
+            <a:pPr fontAlgn="base"/>
+            <a:r>
+              <a:rPr lang="en-US" dirty="0"/>
+              <a:t>Overriding? when a subclass provides a specific implementation of a method that is already defined in its superclass.</a:t>
+            </a:r>
+          </a:p>
+          <a:p>
+            <a:pPr marL="0" indent="0" fontAlgn="base">
+              <a:buNone/>
+            </a:pPr>
+            <a:r>
+              <a:rPr lang="en-US" dirty="0"/>
+              <a:t>      In Inheritance</a:t>
+            </a:r>
+            <a:endParaRPr lang="en-IN" dirty="0"/>
+          </a:p>
+        </p:txBody>
+      </p:sp>
+    </p:spTree>
+    <p:extLst>
+      <p:ext uri="{BB962C8B-B14F-4D97-AF65-F5344CB8AC3E}">
+        <p14:creationId xmlns:p14="http://schemas.microsoft.com/office/powerpoint/2010/main" val="3013133483"/>
+      </p:ext>
+    </p:extLst>
+  </p:cSld>
+  <p:clrMapOvr>
+    <a:masterClrMapping/>
+  </p:clrMapOvr>
+</p:sld>
+</file>
+
+<file path=ppt/slides/slide14.xml><?xml version="1.0" encoding="utf-8"?>
+<p:sld xmlns:a="http://schemas.openxmlformats.org/drawingml/2006/main" xmlns:r="http://schemas.openxmlformats.org/officeDocument/2006/relationships" xmlns:p="http://schemas.openxmlformats.org/presentationml/2006/main">
+  <p:cSld>
+    <p:spTree>
+      <p:nvGrpSpPr>
+        <p:cNvPr id="1" name=""/>
+        <p:cNvGrpSpPr/>
+        <p:nvPr/>
+      </p:nvGrpSpPr>
+      <p:grpSpPr>
+        <a:xfrm>
+          <a:off x="0" y="0"/>
+          <a:ext cx="0" cy="0"/>
+          <a:chOff x="0" y="0"/>
+          <a:chExt cx="0" cy="0"/>
+        </a:xfrm>
+      </p:grpSpPr>
+      <p:sp>
+        <p:nvSpPr>
+          <p:cNvPr id="2" name="Title 1">
+            <a:extLst>
+              <a:ext uri="{FF2B5EF4-FFF2-40B4-BE49-F238E27FC236}">
                 <a16:creationId xmlns:a16="http://schemas.microsoft.com/office/drawing/2014/main" id="{FAFFF8CC-B962-0FE7-B78D-D85D9A36BBC5}"/>
               </a:ext>
             </a:extLst>
@@ -3831,7 +4388,7 @@
 </p:sld>
 </file>
 
-<file path=ppt/slides/slide13.xml><?xml version="1.0" encoding="utf-8"?>
+<file path=ppt/slides/slide15.xml><?xml version="1.0" encoding="utf-8"?>
 <p:sld xmlns:a="http://schemas.openxmlformats.org/drawingml/2006/main" xmlns:r="http://schemas.openxmlformats.org/officeDocument/2006/relationships" xmlns:p="http://schemas.openxmlformats.org/presentationml/2006/main">
   <p:cSld>
     <p:spTree>
@@ -4116,7 +4673,7 @@
 </p:sld>
 </file>
 
-<file path=ppt/slides/slide14.xml><?xml version="1.0" encoding="utf-8"?>
+<file path=ppt/slides/slide16.xml><?xml version="1.0" encoding="utf-8"?>
 <p:sld xmlns:a="http://schemas.openxmlformats.org/drawingml/2006/main" xmlns:r="http://schemas.openxmlformats.org/officeDocument/2006/relationships" xmlns:p="http://schemas.openxmlformats.org/presentationml/2006/main">
   <p:cSld>
     <p:spTree>
@@ -4351,6 +4908,261 @@
       </p:grpSpPr>
       <p:sp>
         <p:nvSpPr>
+          <p:cNvPr id="3" name="Content Placeholder 2">
+            <a:extLst>
+              <a:ext uri="{FF2B5EF4-FFF2-40B4-BE49-F238E27FC236}">
+                <a16:creationId xmlns:a16="http://schemas.microsoft.com/office/drawing/2014/main" id="{AD6C4CBC-94D4-1526-712C-80CD33A4248F}"/>
+              </a:ext>
+            </a:extLst>
+          </p:cNvPr>
+          <p:cNvSpPr>
+            <a:spLocks noGrp="1"/>
+          </p:cNvSpPr>
+          <p:nvPr>
+            <p:ph idx="1"/>
+          </p:nvPr>
+        </p:nvSpPr>
+        <p:spPr>
+          <a:xfrm>
+            <a:off x="838200" y="1825624"/>
+            <a:ext cx="10515600" cy="4940935"/>
+          </a:xfrm>
+        </p:spPr>
+        <p:txBody>
+          <a:bodyPr>
+            <a:normAutofit/>
+          </a:bodyPr>
+          <a:lstStyle/>
+          <a:p>
+            <a:r>
+              <a:rPr lang="en-US" dirty="0"/>
+              <a:t>In Java, both a </a:t>
+            </a:r>
+            <a:r>
+              <a:rPr lang="en-US" b="1" dirty="0"/>
+              <a:t>compiler</a:t>
+            </a:r>
+            <a:r>
+              <a:rPr lang="en-US" dirty="0"/>
+              <a:t> and an </a:t>
+            </a:r>
+            <a:r>
+              <a:rPr lang="en-US" b="1" dirty="0"/>
+              <a:t>interpreter</a:t>
+            </a:r>
+            <a:r>
+              <a:rPr lang="en-US" dirty="0"/>
+              <a:t> are used to execute a program.</a:t>
+            </a:r>
+          </a:p>
+          <a:p>
+            <a:r>
+              <a:rPr lang="en-US" b="1" dirty="0"/>
+              <a:t>compiler What it does</a:t>
+            </a:r>
+          </a:p>
+          <a:p>
+            <a:pPr marL="0" indent="0">
+              <a:buNone/>
+            </a:pPr>
+            <a:r>
+              <a:rPr lang="en-US" dirty="0"/>
+              <a:t>  </a:t>
+            </a:r>
+            <a:r>
+              <a:rPr lang="en-US" sz="1800" dirty="0"/>
+              <a:t>A </a:t>
+            </a:r>
+            <a:r>
+              <a:rPr lang="en-US" sz="1800" b="1" dirty="0"/>
+              <a:t>compiler</a:t>
+            </a:r>
+            <a:r>
+              <a:rPr lang="en-US" sz="1800" dirty="0"/>
+              <a:t> converts </a:t>
+            </a:r>
+            <a:r>
+              <a:rPr lang="en-US" sz="1800" b="1" dirty="0"/>
+              <a:t>Java source code</a:t>
+            </a:r>
+            <a:r>
+              <a:rPr lang="en-US" sz="1800" dirty="0"/>
+              <a:t> (.java) into </a:t>
+            </a:r>
+            <a:r>
+              <a:rPr lang="en-US" sz="1800" b="1" dirty="0"/>
+              <a:t>bytecode</a:t>
+            </a:r>
+            <a:r>
+              <a:rPr lang="en-US" sz="1800" dirty="0"/>
+              <a:t> (.class) file.</a:t>
+            </a:r>
+          </a:p>
+          <a:p>
+            <a:r>
+              <a:rPr lang="en-US" b="1" dirty="0"/>
+              <a:t>interpreter What it does</a:t>
+            </a:r>
+          </a:p>
+          <a:p>
+            <a:pPr marL="0" indent="0">
+              <a:buNone/>
+            </a:pPr>
+            <a:r>
+              <a:rPr lang="en-US" dirty="0"/>
+              <a:t>   </a:t>
+            </a:r>
+            <a:r>
+              <a:rPr lang="en-US" sz="1800" dirty="0"/>
+              <a:t> The JVM uses an </a:t>
+            </a:r>
+            <a:r>
+              <a:rPr lang="en-US" sz="1800" b="1" dirty="0"/>
+              <a:t>interpreter</a:t>
+            </a:r>
+            <a:r>
+              <a:rPr lang="en-US" sz="1800" dirty="0"/>
+              <a:t> to execute the </a:t>
+            </a:r>
+            <a:r>
+              <a:rPr lang="en-US" sz="1800" b="1" dirty="0"/>
+              <a:t>bytecode line by line</a:t>
+            </a:r>
+            <a:r>
+              <a:rPr lang="en-US" sz="1800" dirty="0"/>
+              <a:t> and     convert it into </a:t>
+            </a:r>
+            <a:r>
+              <a:rPr lang="en-US" sz="1800" b="1" dirty="0"/>
+              <a:t>machine code</a:t>
+            </a:r>
+            <a:r>
+              <a:rPr lang="en-US" sz="1800" dirty="0"/>
+              <a:t> the OS understands.</a:t>
+            </a:r>
+          </a:p>
+          <a:p>
+            <a:r>
+              <a:rPr lang="en-US" b="1" dirty="0"/>
+              <a:t>bytecode</a:t>
+            </a:r>
+            <a:r>
+              <a:rPr lang="en-US" dirty="0"/>
+              <a:t> is the </a:t>
+            </a:r>
+            <a:r>
+              <a:rPr lang="en-US" b="1" dirty="0"/>
+              <a:t>intermediate code</a:t>
+            </a:r>
+            <a:r>
+              <a:rPr lang="en-US" dirty="0"/>
+              <a:t> generated by the Java compiler (</a:t>
+            </a:r>
+            <a:r>
+              <a:rPr lang="en-US" dirty="0" err="1"/>
+              <a:t>javac</a:t>
+            </a:r>
+            <a:r>
+              <a:rPr lang="en-US" dirty="0"/>
+              <a:t>)</a:t>
+            </a:r>
+          </a:p>
+        </p:txBody>
+      </p:sp>
+    </p:spTree>
+    <p:extLst>
+      <p:ext uri="{BB962C8B-B14F-4D97-AF65-F5344CB8AC3E}">
+        <p14:creationId xmlns:p14="http://schemas.microsoft.com/office/powerpoint/2010/main" val="2327600905"/>
+      </p:ext>
+    </p:extLst>
+  </p:cSld>
+  <p:clrMapOvr>
+    <a:masterClrMapping/>
+  </p:clrMapOvr>
+</p:sld>
+</file>
+
+<file path=ppt/slides/slide3.xml><?xml version="1.0" encoding="utf-8"?>
+<p:sld xmlns:a="http://schemas.openxmlformats.org/drawingml/2006/main" xmlns:r="http://schemas.openxmlformats.org/officeDocument/2006/relationships" xmlns:p="http://schemas.openxmlformats.org/presentationml/2006/main">
+  <p:cSld>
+    <p:spTree>
+      <p:nvGrpSpPr>
+        <p:cNvPr id="1" name=""/>
+        <p:cNvGrpSpPr/>
+        <p:nvPr/>
+      </p:nvGrpSpPr>
+      <p:grpSpPr>
+        <a:xfrm>
+          <a:off x="0" y="0"/>
+          <a:ext cx="0" cy="0"/>
+          <a:chOff x="0" y="0"/>
+          <a:chExt cx="0" cy="0"/>
+        </a:xfrm>
+      </p:grpSpPr>
+      <p:pic>
+        <p:nvPicPr>
+          <p:cNvPr id="5" name="Content Placeholder 4">
+            <a:extLst>
+              <a:ext uri="{FF2B5EF4-FFF2-40B4-BE49-F238E27FC236}">
+                <a16:creationId xmlns:a16="http://schemas.microsoft.com/office/drawing/2014/main" id="{B8ABDB8E-351B-6C93-5EF4-B82A24508692}"/>
+              </a:ext>
+            </a:extLst>
+          </p:cNvPr>
+          <p:cNvPicPr>
+            <a:picLocks noGrp="1" noChangeAspect="1"/>
+          </p:cNvPicPr>
+          <p:nvPr>
+            <p:ph idx="1"/>
+          </p:nvPr>
+        </p:nvPicPr>
+        <p:blipFill>
+          <a:blip r:embed="rId2"/>
+          <a:stretch>
+            <a:fillRect/>
+          </a:stretch>
+        </p:blipFill>
+        <p:spPr>
+          <a:xfrm>
+            <a:off x="1362456" y="1825625"/>
+            <a:ext cx="9150278" cy="4351338"/>
+          </a:xfrm>
+          <a:prstGeom prst="rect">
+            <a:avLst/>
+          </a:prstGeom>
+        </p:spPr>
+      </p:pic>
+    </p:spTree>
+    <p:extLst>
+      <p:ext uri="{BB962C8B-B14F-4D97-AF65-F5344CB8AC3E}">
+        <p14:creationId xmlns:p14="http://schemas.microsoft.com/office/powerpoint/2010/main" val="1801256692"/>
+      </p:ext>
+    </p:extLst>
+  </p:cSld>
+  <p:clrMapOvr>
+    <a:masterClrMapping/>
+  </p:clrMapOvr>
+</p:sld>
+</file>
+
+<file path=ppt/slides/slide4.xml><?xml version="1.0" encoding="utf-8"?>
+<p:sld xmlns:a="http://schemas.openxmlformats.org/drawingml/2006/main" xmlns:r="http://schemas.openxmlformats.org/officeDocument/2006/relationships" xmlns:p="http://schemas.openxmlformats.org/presentationml/2006/main">
+  <p:cSld>
+    <p:spTree>
+      <p:nvGrpSpPr>
+        <p:cNvPr id="1" name=""/>
+        <p:cNvGrpSpPr/>
+        <p:nvPr/>
+      </p:nvGrpSpPr>
+      <p:grpSpPr>
+        <a:xfrm>
+          <a:off x="0" y="0"/>
+          <a:ext cx="0" cy="0"/>
+          <a:chOff x="0" y="0"/>
+          <a:chExt cx="0" cy="0"/>
+        </a:xfrm>
+      </p:grpSpPr>
+      <p:sp>
+        <p:nvSpPr>
           <p:cNvPr id="2" name="Title 1">
             <a:extLst>
               <a:ext uri="{FF2B5EF4-FFF2-40B4-BE49-F238E27FC236}">
@@ -4396,8 +5208,8 @@
         </p:nvSpPr>
         <p:spPr bwMode="auto">
           <a:xfrm>
-            <a:off x="838200" y="2662468"/>
-            <a:ext cx="9918421" cy="2677656"/>
+            <a:off x="838200" y="1646810"/>
+            <a:ext cx="9918421" cy="4708981"/>
           </a:xfrm>
           <a:prstGeom prst="rect">
             <a:avLst/>
@@ -4445,7 +5257,7 @@
           </a:bodyPr>
           <a:lstStyle/>
           <a:p>
-            <a:pPr marL="0" marR="0" lvl="0" indent="0" algn="l" defTabSz="914400" rtl="0" eaLnBrk="0" fontAlgn="base" latinLnBrk="0" hangingPunct="0">
+            <a:pPr marL="0" lvl="0" indent="0" eaLnBrk="0" fontAlgn="base" hangingPunct="0">
               <a:lnSpc>
                 <a:spcPct val="100000"/>
               </a:lnSpc>
@@ -4455,12 +5267,13 @@
               <a:spcAft>
                 <a:spcPct val="0"/>
               </a:spcAft>
-              <a:buClrTx/>
-              <a:buSzTx/>
               <a:buFontTx/>
               <a:buChar char="•"/>
-              <a:tabLst/>
-            </a:pPr>
+            </a:pPr>
+            <a:r>
+              <a:rPr lang="en-US" sz="1800" dirty="0"/>
+              <a:t>The heart of Java — it executes Java bytecode</a:t>
+            </a:r>
             <a:r>
               <a:rPr kumimoji="0" lang="en-US" altLang="en-US" sz="1800" b="0" i="0" u="none" strike="noStrike" cap="none" normalizeH="0" baseline="0" dirty="0">
                 <a:ln>
@@ -4472,33 +5285,7 @@
                 <a:effectLst/>
                 <a:latin typeface="Arial" panose="020B0604020202020204" pitchFamily="34" charset="0"/>
               </a:rPr>
-              <a:t>JVM is a </a:t>
-            </a:r>
-            <a:r>
-              <a:rPr kumimoji="0" lang="en-US" altLang="en-US" sz="1800" b="1" i="0" u="none" strike="noStrike" cap="none" normalizeH="0" baseline="0" dirty="0">
-                <a:ln>
-                  <a:noFill/>
-                </a:ln>
-                <a:solidFill>
-                  <a:schemeClr val="tx1"/>
-                </a:solidFill>
-                <a:effectLst/>
-                <a:latin typeface="Arial" panose="020B0604020202020204" pitchFamily="34" charset="0"/>
-              </a:rPr>
-              <a:t>runtime engine</a:t>
-            </a:r>
-            <a:r>
-              <a:rPr kumimoji="0" lang="en-US" altLang="en-US" sz="1800" b="0" i="0" u="none" strike="noStrike" cap="none" normalizeH="0" baseline="0" dirty="0">
-                <a:ln>
-                  <a:noFill/>
-                </a:ln>
-                <a:solidFill>
-                  <a:schemeClr val="tx1"/>
-                </a:solidFill>
-                <a:effectLst/>
-                <a:latin typeface="Arial" panose="020B0604020202020204" pitchFamily="34" charset="0"/>
-              </a:rPr>
-              <a:t> that runs Java bytecode.</a:t>
+              <a:t>.</a:t>
             </a:r>
           </a:p>
           <a:p>
@@ -4642,7 +5429,7 @@
             </a:r>
           </a:p>
           <a:p>
-            <a:pPr marL="0" lvl="0" indent="0" eaLnBrk="0" fontAlgn="base" hangingPunct="0">
+            <a:pPr marL="0" marR="0" lvl="0" indent="0" algn="l" defTabSz="914400" rtl="0" eaLnBrk="0" fontAlgn="base" latinLnBrk="0" hangingPunct="0">
               <a:lnSpc>
                 <a:spcPct val="100000"/>
               </a:lnSpc>
@@ -4652,8 +5439,16 @@
               <a:spcAft>
                 <a:spcPct val="0"/>
               </a:spcAft>
-              <a:buNone/>
-            </a:pPr>
+              <a:buClrTx/>
+              <a:buSzTx/>
+              <a:buFontTx/>
+              <a:buChar char="•"/>
+              <a:tabLst/>
+            </a:pPr>
+            <a:r>
+              <a:rPr lang="en-US" sz="1800" dirty="0"/>
+              <a:t>Java is platform-independent and JVM is platform-dependent</a:t>
+            </a:r>
             <a:r>
               <a:rPr kumimoji="0" lang="en-US" altLang="en-US" sz="1800" b="0" i="0" u="none" strike="noStrike" cap="none" normalizeH="0" baseline="0" dirty="0">
                 <a:ln>
@@ -4665,7 +5460,7 @@
                 <a:effectLst/>
                 <a:latin typeface="Arial" panose="020B0604020202020204" pitchFamily="34" charset="0"/>
               </a:rPr>
-              <a:t>           </a:t>
+              <a:t>      </a:t>
             </a:r>
           </a:p>
           <a:p>
@@ -4687,6 +5482,20 @@
               </a:rPr>
               <a:t>        </a:t>
             </a:r>
+          </a:p>
+          <a:p>
+            <a:pPr marL="0" lvl="0" indent="0" eaLnBrk="0" fontAlgn="base" hangingPunct="0">
+              <a:lnSpc>
+                <a:spcPct val="100000"/>
+              </a:lnSpc>
+              <a:spcBef>
+                <a:spcPct val="0"/>
+              </a:spcBef>
+              <a:spcAft>
+                <a:spcPct val="0"/>
+              </a:spcAft>
+              <a:buNone/>
+            </a:pPr>
             <a:r>
               <a:rPr kumimoji="0" lang="en-US" altLang="en-US" sz="2400" b="1" i="0" u="none" strike="noStrike" cap="none" normalizeH="0" baseline="0" dirty="0">
                 <a:ln>
@@ -4792,6 +5601,152 @@
             <a:r>
               <a:rPr lang="en-US" sz="1800" dirty="0"/>
               <a:t> without changing the code</a:t>
+            </a:r>
+          </a:p>
+          <a:p>
+            <a:pPr marL="0" lvl="0" indent="0" eaLnBrk="0" fontAlgn="base" hangingPunct="0">
+              <a:lnSpc>
+                <a:spcPct val="100000"/>
+              </a:lnSpc>
+              <a:spcBef>
+                <a:spcPct val="0"/>
+              </a:spcBef>
+              <a:spcAft>
+                <a:spcPct val="0"/>
+              </a:spcAft>
+              <a:buNone/>
+            </a:pPr>
+            <a:endParaRPr kumimoji="0" lang="en-US" altLang="en-US" sz="1800" b="0" i="0" u="none" strike="noStrike" cap="none" normalizeH="0" baseline="0" dirty="0">
+              <a:ln>
+                <a:noFill/>
+              </a:ln>
+              <a:solidFill>
+                <a:schemeClr val="tx1"/>
+              </a:solidFill>
+              <a:effectLst/>
+              <a:latin typeface="Arial" panose="020B0604020202020204" pitchFamily="34" charset="0"/>
+            </a:endParaRPr>
+          </a:p>
+          <a:p>
+            <a:pPr marL="0" lvl="0" indent="0" eaLnBrk="0" fontAlgn="base" hangingPunct="0">
+              <a:lnSpc>
+                <a:spcPct val="100000"/>
+              </a:lnSpc>
+              <a:spcBef>
+                <a:spcPct val="0"/>
+              </a:spcBef>
+              <a:spcAft>
+                <a:spcPct val="0"/>
+              </a:spcAft>
+              <a:buNone/>
+            </a:pPr>
+            <a:r>
+              <a:rPr lang="en-US" sz="2400" b="1" dirty="0"/>
+              <a:t>JVM Responsibilities: </a:t>
+            </a:r>
+          </a:p>
+          <a:p>
+            <a:pPr marL="0" lvl="0" indent="0" eaLnBrk="0" fontAlgn="base" hangingPunct="0">
+              <a:lnSpc>
+                <a:spcPct val="100000"/>
+              </a:lnSpc>
+              <a:spcBef>
+                <a:spcPct val="0"/>
+              </a:spcBef>
+              <a:spcAft>
+                <a:spcPct val="0"/>
+              </a:spcAft>
+              <a:buNone/>
+            </a:pPr>
+            <a:r>
+              <a:rPr lang="en-US" sz="1800" dirty="0"/>
+              <a:t>1.</a:t>
+            </a:r>
+            <a:r>
+              <a:rPr lang="en-US" sz="1800" b="1" dirty="0"/>
+              <a:t>Loading</a:t>
+            </a:r>
+            <a:r>
+              <a:rPr lang="en-US" sz="1800" dirty="0"/>
+              <a:t>: Loads class files into memory.</a:t>
+            </a:r>
+          </a:p>
+          <a:p>
+            <a:pPr marL="0" lvl="0" indent="0" eaLnBrk="0" fontAlgn="base" hangingPunct="0">
+              <a:lnSpc>
+                <a:spcPct val="100000"/>
+              </a:lnSpc>
+              <a:spcBef>
+                <a:spcPct val="0"/>
+              </a:spcBef>
+              <a:spcAft>
+                <a:spcPct val="0"/>
+              </a:spcAft>
+              <a:buNone/>
+            </a:pPr>
+            <a:r>
+              <a:rPr lang="en-US" sz="1800" dirty="0"/>
+              <a:t> 2.</a:t>
+            </a:r>
+            <a:r>
+              <a:rPr lang="en-US" sz="1800" b="1" dirty="0"/>
+              <a:t>Verification</a:t>
+            </a:r>
+            <a:r>
+              <a:rPr lang="en-US" sz="1800" dirty="0"/>
+              <a:t>: Checks bytecode for security and errors. </a:t>
+            </a:r>
+          </a:p>
+          <a:p>
+            <a:pPr marL="0" lvl="0" indent="0" eaLnBrk="0" fontAlgn="base" hangingPunct="0">
+              <a:lnSpc>
+                <a:spcPct val="100000"/>
+              </a:lnSpc>
+              <a:spcBef>
+                <a:spcPct val="0"/>
+              </a:spcBef>
+              <a:spcAft>
+                <a:spcPct val="0"/>
+              </a:spcAft>
+              <a:buNone/>
+            </a:pPr>
+            <a:r>
+              <a:rPr lang="en-US" sz="1800" dirty="0"/>
+              <a:t>3.</a:t>
+            </a:r>
+            <a:r>
+              <a:rPr lang="en-US" sz="1800" b="1" dirty="0"/>
+              <a:t>Execution</a:t>
+            </a:r>
+            <a:r>
+              <a:rPr lang="en-US" sz="1800" dirty="0"/>
+              <a:t>: Uses Interpreter and JIT Compiler to execute bytecode efficiently. </a:t>
+            </a:r>
+          </a:p>
+          <a:p>
+            <a:pPr marL="0" lvl="0" indent="0" eaLnBrk="0" fontAlgn="base" hangingPunct="0">
+              <a:lnSpc>
+                <a:spcPct val="100000"/>
+              </a:lnSpc>
+              <a:spcBef>
+                <a:spcPct val="0"/>
+              </a:spcBef>
+              <a:spcAft>
+                <a:spcPct val="0"/>
+              </a:spcAft>
+              <a:buNone/>
+            </a:pPr>
+            <a:r>
+              <a:rPr lang="en-US" sz="1800" dirty="0"/>
+              <a:t>4.</a:t>
+            </a:r>
+            <a:r>
+              <a:rPr lang="en-US" sz="1800" b="1" dirty="0"/>
+              <a:t>Memory Management</a:t>
+            </a:r>
+            <a:r>
+              <a:rPr lang="en-US" sz="1800" dirty="0"/>
+              <a:t>: Uses Garbage Collector to free unused objects automatically</a:t>
             </a:r>
             <a:endParaRPr kumimoji="0" lang="en-US" altLang="en-US" sz="1800" b="0" i="0" u="none" strike="noStrike" cap="none" normalizeH="0" baseline="0" dirty="0">
               <a:ln>
@@ -4847,7 +5802,7 @@
 </p:sld>
 </file>
 
-<file path=ppt/slides/slide3.xml><?xml version="1.0" encoding="utf-8"?>
+<file path=ppt/slides/slide5.xml><?xml version="1.0" encoding="utf-8"?>
 <p:sld xmlns:a="http://schemas.openxmlformats.org/drawingml/2006/main" xmlns:r="http://schemas.openxmlformats.org/officeDocument/2006/relationships" xmlns:p="http://schemas.openxmlformats.org/presentationml/2006/main">
   <p:cSld>
     <p:spTree>
@@ -4911,8 +5866,8 @@
         </p:nvSpPr>
         <p:spPr bwMode="auto">
           <a:xfrm>
-            <a:off x="838200" y="2939467"/>
-            <a:ext cx="6022803" cy="2123658"/>
+            <a:off x="838200" y="1739142"/>
+            <a:ext cx="8262711" cy="4524315"/>
           </a:xfrm>
           <a:prstGeom prst="rect">
             <a:avLst/>
@@ -4960,6 +5915,35 @@
           </a:bodyPr>
           <a:lstStyle/>
           <a:p>
+            <a:pPr marL="0" lvl="0" indent="0" eaLnBrk="0" fontAlgn="base" hangingPunct="0">
+              <a:lnSpc>
+                <a:spcPct val="100000"/>
+              </a:lnSpc>
+              <a:spcBef>
+                <a:spcPct val="0"/>
+              </a:spcBef>
+              <a:spcAft>
+                <a:spcPct val="0"/>
+              </a:spcAft>
+              <a:buFontTx/>
+              <a:buChar char="•"/>
+            </a:pPr>
+            <a:r>
+              <a:rPr lang="en-US" sz="1800" dirty="0"/>
+              <a:t>To run java application the required environment is JRE</a:t>
+            </a:r>
+            <a:endParaRPr kumimoji="0" lang="en-US" altLang="en-US" sz="1800" b="0" i="0" u="none" strike="noStrike" cap="none" normalizeH="0" baseline="0" dirty="0">
+              <a:ln>
+                <a:noFill/>
+              </a:ln>
+              <a:solidFill>
+                <a:schemeClr val="tx1"/>
+              </a:solidFill>
+              <a:effectLst/>
+              <a:latin typeface="Arial" panose="020B0604020202020204" pitchFamily="34" charset="0"/>
+            </a:endParaRPr>
+          </a:p>
+          <a:p>
             <a:pPr marL="0" marR="0" lvl="0" indent="0" algn="l" defTabSz="914400" rtl="0" eaLnBrk="0" fontAlgn="base" latinLnBrk="0" hangingPunct="0">
               <a:lnSpc>
                 <a:spcPct val="100000"/>
@@ -5071,7 +6055,7 @@
                 <a:effectLst/>
                 <a:latin typeface="Arial" panose="020B0604020202020204" pitchFamily="34" charset="0"/>
               </a:rPr>
-              <a:t>Contains </a:t>
+              <a:t> Contains </a:t>
             </a:r>
             <a:r>
               <a:rPr kumimoji="0" lang="en-US" altLang="en-US" sz="1800" b="1" i="0" u="none" strike="noStrike" cap="none" normalizeH="0" baseline="0" dirty="0">
@@ -5111,6 +6095,114 @@
               <a:spcAft>
                 <a:spcPct val="0"/>
               </a:spcAft>
+              <a:buFontTx/>
+              <a:buChar char="•"/>
+            </a:pPr>
+            <a:r>
+              <a:rPr lang="en-US" sz="1800" dirty="0"/>
+              <a:t>It provides libraries, JVM, and other files necessary to run Java applications. </a:t>
+            </a:r>
+          </a:p>
+          <a:p>
+            <a:pPr marL="0" lvl="0" indent="0" eaLnBrk="0" fontAlgn="base" hangingPunct="0">
+              <a:lnSpc>
+                <a:spcPct val="100000"/>
+              </a:lnSpc>
+              <a:spcBef>
+                <a:spcPct val="0"/>
+              </a:spcBef>
+              <a:spcAft>
+                <a:spcPct val="0"/>
+              </a:spcAft>
+              <a:buFontTx/>
+              <a:buChar char="•"/>
+            </a:pPr>
+            <a:r>
+              <a:rPr lang="en-US" sz="1800" dirty="0"/>
+              <a:t>It does not include development tools like compiler (</a:t>
+            </a:r>
+            <a:r>
+              <a:rPr lang="en-US" sz="1800" dirty="0" err="1"/>
+              <a:t>javac</a:t>
+            </a:r>
+            <a:r>
+              <a:rPr lang="en-US" sz="1800" dirty="0"/>
+              <a:t>). </a:t>
+            </a:r>
+          </a:p>
+          <a:p>
+            <a:pPr marL="0" lvl="0" indent="0" eaLnBrk="0" fontAlgn="base" hangingPunct="0">
+              <a:lnSpc>
+                <a:spcPct val="100000"/>
+              </a:lnSpc>
+              <a:spcBef>
+                <a:spcPct val="0"/>
+              </a:spcBef>
+              <a:spcAft>
+                <a:spcPct val="0"/>
+              </a:spcAft>
+              <a:buNone/>
+            </a:pPr>
+            <a:endParaRPr lang="en-US" sz="1800" dirty="0"/>
+          </a:p>
+          <a:p>
+            <a:pPr marL="0" lvl="0" indent="0" eaLnBrk="0" fontAlgn="base" hangingPunct="0">
+              <a:lnSpc>
+                <a:spcPct val="100000"/>
+              </a:lnSpc>
+              <a:spcBef>
+                <a:spcPct val="0"/>
+              </a:spcBef>
+              <a:spcAft>
+                <a:spcPct val="0"/>
+              </a:spcAft>
+              <a:buNone/>
+            </a:pPr>
+            <a:endParaRPr lang="en-US" sz="1800" dirty="0"/>
+          </a:p>
+          <a:p>
+            <a:pPr marL="0" lvl="0" indent="0" eaLnBrk="0" fontAlgn="base" hangingPunct="0">
+              <a:lnSpc>
+                <a:spcPct val="100000"/>
+              </a:lnSpc>
+              <a:spcBef>
+                <a:spcPct val="0"/>
+              </a:spcBef>
+              <a:spcAft>
+                <a:spcPct val="0"/>
+              </a:spcAft>
+              <a:buNone/>
+            </a:pPr>
+            <a:r>
+              <a:rPr lang="en-US" sz="1800" dirty="0"/>
+              <a:t>In short: JRE = JVM + Java Class </a:t>
+            </a:r>
+            <a:r>
+              <a:rPr lang="en-US" sz="1800" dirty="0" err="1"/>
+              <a:t>Librarie</a:t>
+            </a:r>
+            <a:endParaRPr kumimoji="0" lang="en-US" altLang="en-US" sz="1800" b="0" i="0" u="none" strike="noStrike" cap="none" normalizeH="0" baseline="0" dirty="0">
+              <a:ln>
+                <a:noFill/>
+              </a:ln>
+              <a:solidFill>
+                <a:schemeClr val="tx1"/>
+              </a:solidFill>
+              <a:effectLst/>
+              <a:latin typeface="Arial" panose="020B0604020202020204" pitchFamily="34" charset="0"/>
+            </a:endParaRPr>
+          </a:p>
+          <a:p>
+            <a:pPr marL="0" lvl="0" indent="0" eaLnBrk="0" fontAlgn="base" hangingPunct="0">
+              <a:lnSpc>
+                <a:spcPct val="100000"/>
+              </a:lnSpc>
+              <a:spcBef>
+                <a:spcPct val="0"/>
+              </a:spcBef>
+              <a:spcAft>
+                <a:spcPct val="0"/>
+              </a:spcAft>
               <a:buNone/>
             </a:pPr>
             <a:endParaRPr kumimoji="0" lang="en-US" altLang="en-US" sz="1800" b="0" i="0" u="none" strike="noStrike" cap="none" normalizeH="0" baseline="0" dirty="0">
@@ -5167,6 +6259,52 @@
               </a:rPr>
               <a:t>JRE = JVM + Java Libraries</a:t>
             </a:r>
+          </a:p>
+          <a:p>
+            <a:pPr marL="0" lvl="0" indent="0" eaLnBrk="0" fontAlgn="base" hangingPunct="0">
+              <a:lnSpc>
+                <a:spcPct val="100000"/>
+              </a:lnSpc>
+              <a:spcBef>
+                <a:spcPct val="0"/>
+              </a:spcBef>
+              <a:spcAft>
+                <a:spcPct val="0"/>
+              </a:spcAft>
+              <a:buNone/>
+            </a:pPr>
+            <a:r>
+              <a:rPr lang="en-US" sz="2400" dirty="0"/>
+              <a:t>Java Virtual Machine (JVM): The execution engine </a:t>
+            </a:r>
+          </a:p>
+          <a:p>
+            <a:pPr marL="0" lvl="0" indent="0" eaLnBrk="0" fontAlgn="base" hangingPunct="0">
+              <a:lnSpc>
+                <a:spcPct val="100000"/>
+              </a:lnSpc>
+              <a:spcBef>
+                <a:spcPct val="0"/>
+              </a:spcBef>
+              <a:spcAft>
+                <a:spcPct val="0"/>
+              </a:spcAft>
+              <a:buNone/>
+            </a:pPr>
+            <a:r>
+              <a:rPr lang="en-US" sz="2400" dirty="0"/>
+              <a:t>Java class libraries: Standard libraries for common functionality</a:t>
+            </a:r>
+            <a:endParaRPr kumimoji="0" lang="en-US" altLang="en-US" sz="2400" b="1" i="0" u="none" strike="noStrike" cap="none" normalizeH="0" baseline="0" dirty="0">
+              <a:ln>
+                <a:noFill/>
+              </a:ln>
+              <a:solidFill>
+                <a:schemeClr val="tx1"/>
+              </a:solidFill>
+              <a:effectLst/>
+              <a:latin typeface="Arial" panose="020B0604020202020204" pitchFamily="34" charset="0"/>
+            </a:endParaRPr>
           </a:p>
           <a:p>
             <a:pPr marL="0" marR="0" lvl="0" indent="0" algn="l" defTabSz="914400" rtl="0" eaLnBrk="0" fontAlgn="base" latinLnBrk="0" hangingPunct="0">
@@ -5211,7 +6349,7 @@
 </p:sld>
 </file>
 
-<file path=ppt/slides/slide4.xml><?xml version="1.0" encoding="utf-8"?>
+<file path=ppt/slides/slide6.xml><?xml version="1.0" encoding="utf-8"?>
 <p:sld xmlns:a="http://schemas.openxmlformats.org/drawingml/2006/main" xmlns:r="http://schemas.openxmlformats.org/officeDocument/2006/relationships" xmlns:p="http://schemas.openxmlformats.org/presentationml/2006/main">
   <p:cSld>
     <p:spTree>
@@ -5275,8 +6413,8 @@
         </p:nvSpPr>
         <p:spPr bwMode="auto">
           <a:xfrm>
-            <a:off x="838200" y="3124132"/>
-            <a:ext cx="6792244" cy="1754326"/>
+            <a:off x="838200" y="2154639"/>
+            <a:ext cx="7504490" cy="3693319"/>
           </a:xfrm>
           <a:prstGeom prst="rect">
             <a:avLst/>
@@ -5324,6 +6462,35 @@
           </a:bodyPr>
           <a:lstStyle/>
           <a:p>
+            <a:pPr marL="0" lvl="0" indent="0" eaLnBrk="0" fontAlgn="base" hangingPunct="0">
+              <a:lnSpc>
+                <a:spcPct val="100000"/>
+              </a:lnSpc>
+              <a:spcBef>
+                <a:spcPct val="0"/>
+              </a:spcBef>
+              <a:spcAft>
+                <a:spcPct val="0"/>
+              </a:spcAft>
+              <a:buFontTx/>
+              <a:buChar char="•"/>
+            </a:pPr>
+            <a:r>
+              <a:rPr lang="en-US" sz="1800" dirty="0"/>
+              <a:t>To develop and run java applications the required environment is JDK.</a:t>
+            </a:r>
+            <a:endParaRPr kumimoji="0" lang="en-US" altLang="en-US" sz="1800" b="0" i="0" u="none" strike="noStrike" cap="none" normalizeH="0" baseline="0" dirty="0">
+              <a:ln>
+                <a:noFill/>
+              </a:ln>
+              <a:solidFill>
+                <a:schemeClr val="tx1"/>
+              </a:solidFill>
+              <a:effectLst/>
+              <a:latin typeface="Arial" panose="020B0604020202020204" pitchFamily="34" charset="0"/>
+            </a:endParaRPr>
+          </a:p>
+          <a:p>
             <a:pPr marL="0" marR="0" lvl="0" indent="0" algn="l" defTabSz="914400" rtl="0" eaLnBrk="0" fontAlgn="base" latinLnBrk="0" hangingPunct="0">
               <a:lnSpc>
                 <a:spcPct val="100000"/>
@@ -5336,10 +6503,38 @@
               </a:spcAft>
               <a:buClrTx/>
               <a:buSzTx/>
+              <a:buNone/>
+              <a:tabLst/>
+            </a:pPr>
+            <a:endParaRPr kumimoji="0" lang="en-US" altLang="en-US" sz="1800" b="0" i="0" u="none" strike="noStrike" cap="none" normalizeH="0" baseline="0" dirty="0">
+              <a:ln>
+                <a:noFill/>
+              </a:ln>
+              <a:solidFill>
+                <a:schemeClr val="tx1"/>
+              </a:solidFill>
+              <a:effectLst/>
+              <a:latin typeface="Arial" panose="020B0604020202020204" pitchFamily="34" charset="0"/>
+            </a:endParaRPr>
+          </a:p>
+          <a:p>
+            <a:pPr marL="0" lvl="0" indent="0" eaLnBrk="0" fontAlgn="base" hangingPunct="0">
+              <a:lnSpc>
+                <a:spcPct val="100000"/>
+              </a:lnSpc>
+              <a:spcBef>
+                <a:spcPct val="0"/>
+              </a:spcBef>
+              <a:spcAft>
+                <a:spcPct val="0"/>
+              </a:spcAft>
               <a:buFontTx/>
               <a:buChar char="•"/>
-              <a:tabLst/>
-            </a:pPr>
+            </a:pPr>
+            <a:r>
+              <a:rPr lang="en-US" sz="1800" dirty="0"/>
+              <a:t>It’s the complete package required to develop and Execute Java Applications</a:t>
+            </a:r>
             <a:r>
               <a:rPr kumimoji="0" lang="en-US" altLang="en-US" sz="1800" b="0" i="0" u="none" strike="noStrike" cap="none" normalizeH="0" baseline="0" dirty="0">
                 <a:ln>
@@ -5351,117 +6546,7 @@
                 <a:effectLst/>
                 <a:latin typeface="Arial" panose="020B0604020202020204" pitchFamily="34" charset="0"/>
               </a:rPr>
-              <a:t>JDK is a </a:t>
-            </a:r>
-            <a:r>
-              <a:rPr kumimoji="0" lang="en-US" altLang="en-US" sz="1800" b="1" i="0" u="none" strike="noStrike" cap="none" normalizeH="0" baseline="0" dirty="0">
-                <a:ln>
-                  <a:noFill/>
-                </a:ln>
-                <a:solidFill>
-                  <a:schemeClr val="tx1"/>
-                </a:solidFill>
-                <a:effectLst/>
-                <a:latin typeface="Arial" panose="020B0604020202020204" pitchFamily="34" charset="0"/>
-              </a:rPr>
-              <a:t>complete package</a:t>
-            </a:r>
-            <a:r>
-              <a:rPr kumimoji="0" lang="en-US" altLang="en-US" sz="1800" b="0" i="0" u="none" strike="noStrike" cap="none" normalizeH="0" baseline="0" dirty="0">
-                <a:ln>
-                  <a:noFill/>
-                </a:ln>
-                <a:solidFill>
-                  <a:schemeClr val="tx1"/>
-                </a:solidFill>
-                <a:effectLst/>
-                <a:latin typeface="Arial" panose="020B0604020202020204" pitchFamily="34" charset="0"/>
-              </a:rPr>
-              <a:t> for Java development.</a:t>
-            </a:r>
-          </a:p>
-          <a:p>
-            <a:pPr marL="0" marR="0" lvl="0" indent="0" algn="l" defTabSz="914400" rtl="0" eaLnBrk="0" fontAlgn="base" latinLnBrk="0" hangingPunct="0">
-              <a:lnSpc>
-                <a:spcPct val="100000"/>
-              </a:lnSpc>
-              <a:spcBef>
-                <a:spcPct val="0"/>
-              </a:spcBef>
-              <a:spcAft>
-                <a:spcPct val="0"/>
-              </a:spcAft>
-              <a:buClrTx/>
-              <a:buSzTx/>
-              <a:buNone/>
-              <a:tabLst/>
-            </a:pPr>
-            <a:endParaRPr kumimoji="0" lang="en-US" altLang="en-US" sz="1800" b="0" i="0" u="none" strike="noStrike" cap="none" normalizeH="0" baseline="0" dirty="0">
-              <a:ln>
-                <a:noFill/>
-              </a:ln>
-              <a:solidFill>
-                <a:schemeClr val="tx1"/>
-              </a:solidFill>
-              <a:effectLst/>
-              <a:latin typeface="Arial" panose="020B0604020202020204" pitchFamily="34" charset="0"/>
-            </a:endParaRPr>
-          </a:p>
-          <a:p>
-            <a:pPr marL="0" marR="0" lvl="0" indent="0" algn="l" defTabSz="914400" rtl="0" eaLnBrk="0" fontAlgn="base" latinLnBrk="0" hangingPunct="0">
-              <a:lnSpc>
-                <a:spcPct val="100000"/>
-              </a:lnSpc>
-              <a:spcBef>
-                <a:spcPct val="0"/>
-              </a:spcBef>
-              <a:spcAft>
-                <a:spcPct val="0"/>
-              </a:spcAft>
-              <a:buClrTx/>
-              <a:buSzTx/>
-              <a:buFontTx/>
-              <a:buChar char="•"/>
-              <a:tabLst/>
-            </a:pPr>
-            <a:r>
-              <a:rPr kumimoji="0" lang="en-US" altLang="en-US" sz="1800" b="0" i="0" u="none" strike="noStrike" cap="none" normalizeH="0" baseline="0" dirty="0">
-                <a:ln>
-                  <a:noFill/>
-                </a:ln>
-                <a:solidFill>
-                  <a:schemeClr val="tx1"/>
-                </a:solidFill>
-                <a:effectLst/>
-                <a:latin typeface="Arial" panose="020B0604020202020204" pitchFamily="34" charset="0"/>
-              </a:rPr>
-              <a:t>Used by developers to </a:t>
-            </a:r>
-            <a:r>
-              <a:rPr kumimoji="0" lang="en-US" altLang="en-US" sz="1800" b="1" i="0" u="none" strike="noStrike" cap="none" normalizeH="0" baseline="0" dirty="0">
-                <a:ln>
-                  <a:noFill/>
-                </a:ln>
-                <a:solidFill>
-                  <a:schemeClr val="tx1"/>
-                </a:solidFill>
-                <a:effectLst/>
-                <a:latin typeface="Arial" panose="020B0604020202020204" pitchFamily="34" charset="0"/>
-              </a:rPr>
-              <a:t>write, compile, and run</a:t>
-            </a:r>
-            <a:r>
-              <a:rPr kumimoji="0" lang="en-US" altLang="en-US" sz="1800" b="0" i="0" u="none" strike="noStrike" cap="none" normalizeH="0" baseline="0" dirty="0">
-                <a:ln>
-                  <a:noFill/>
-                </a:ln>
-                <a:solidFill>
-                  <a:schemeClr val="tx1"/>
-                </a:solidFill>
-                <a:effectLst/>
-                <a:latin typeface="Arial" panose="020B0604020202020204" pitchFamily="34" charset="0"/>
-              </a:rPr>
-              <a:t> Java programs.</a:t>
+              <a:t>.</a:t>
             </a:r>
           </a:p>
           <a:p>
@@ -5519,6 +6604,161 @@
             </a:r>
           </a:p>
           <a:p>
+            <a:pPr marL="0" lvl="0" indent="0" eaLnBrk="0" fontAlgn="base" hangingPunct="0">
+              <a:lnSpc>
+                <a:spcPct val="100000"/>
+              </a:lnSpc>
+              <a:spcBef>
+                <a:spcPct val="0"/>
+              </a:spcBef>
+              <a:spcAft>
+                <a:spcPct val="0"/>
+              </a:spcAft>
+              <a:buNone/>
+            </a:pPr>
+            <a:endParaRPr lang="en-US" altLang="en-US" sz="1800" b="1" dirty="0">
+              <a:latin typeface="Arial" panose="020B0604020202020204" pitchFamily="34" charset="0"/>
+            </a:endParaRPr>
+          </a:p>
+          <a:p>
+            <a:pPr marL="0" lvl="0" indent="0" eaLnBrk="0" fontAlgn="base" hangingPunct="0">
+              <a:lnSpc>
+                <a:spcPct val="100000"/>
+              </a:lnSpc>
+              <a:spcBef>
+                <a:spcPct val="0"/>
+              </a:spcBef>
+              <a:spcAft>
+                <a:spcPct val="0"/>
+              </a:spcAft>
+              <a:buNone/>
+            </a:pPr>
+            <a:r>
+              <a:rPr lang="en-IN" sz="1800" dirty="0"/>
+              <a:t>Development tools (compiler, debugger, jar, etc.)</a:t>
+            </a:r>
+          </a:p>
+          <a:p>
+            <a:pPr marL="0" lvl="0" indent="0" eaLnBrk="0" fontAlgn="base" hangingPunct="0">
+              <a:lnSpc>
+                <a:spcPct val="100000"/>
+              </a:lnSpc>
+              <a:spcBef>
+                <a:spcPct val="0"/>
+              </a:spcBef>
+              <a:spcAft>
+                <a:spcPct val="0"/>
+              </a:spcAft>
+              <a:buNone/>
+            </a:pPr>
+            <a:r>
+              <a:rPr lang="en-IN" sz="1800" b="1" dirty="0"/>
+              <a:t>Main Tools in JDK</a:t>
+            </a:r>
+            <a:r>
+              <a:rPr lang="en-IN" sz="1800" dirty="0"/>
+              <a:t>:</a:t>
+            </a:r>
+          </a:p>
+          <a:p>
+            <a:pPr marL="0" lvl="0" indent="0" eaLnBrk="0" fontAlgn="base" hangingPunct="0">
+              <a:lnSpc>
+                <a:spcPct val="100000"/>
+              </a:lnSpc>
+              <a:spcBef>
+                <a:spcPct val="0"/>
+              </a:spcBef>
+              <a:spcAft>
+                <a:spcPct val="0"/>
+              </a:spcAft>
+              <a:buNone/>
+            </a:pPr>
+            <a:r>
+              <a:rPr lang="en-IN" sz="1800" dirty="0"/>
+              <a:t> </a:t>
+            </a:r>
+            <a:r>
+              <a:rPr lang="en-IN" sz="1800" dirty="0" err="1"/>
+              <a:t>javac</a:t>
+            </a:r>
+            <a:r>
+              <a:rPr lang="en-IN" sz="1800" dirty="0"/>
+              <a:t> → Java Compiler (Converts Java source code into bytecode) </a:t>
+            </a:r>
+          </a:p>
+          <a:p>
+            <a:pPr marL="0" lvl="0" indent="0" eaLnBrk="0" fontAlgn="base" hangingPunct="0">
+              <a:lnSpc>
+                <a:spcPct val="100000"/>
+              </a:lnSpc>
+              <a:spcBef>
+                <a:spcPct val="0"/>
+              </a:spcBef>
+              <a:spcAft>
+                <a:spcPct val="0"/>
+              </a:spcAft>
+              <a:buNone/>
+            </a:pPr>
+            <a:r>
+              <a:rPr lang="en-IN" sz="1800" dirty="0"/>
+              <a:t> java → Launches JVM</a:t>
+            </a:r>
+          </a:p>
+          <a:p>
+            <a:pPr marL="0" lvl="0" indent="0" eaLnBrk="0" fontAlgn="base" hangingPunct="0">
+              <a:lnSpc>
+                <a:spcPct val="100000"/>
+              </a:lnSpc>
+              <a:spcBef>
+                <a:spcPct val="0"/>
+              </a:spcBef>
+              <a:spcAft>
+                <a:spcPct val="0"/>
+              </a:spcAft>
+              <a:buNone/>
+            </a:pPr>
+            <a:r>
+              <a:rPr lang="en-IN" sz="1800" dirty="0"/>
+              <a:t> </a:t>
+            </a:r>
+            <a:r>
+              <a:rPr lang="en-IN" sz="1800" dirty="0" err="1"/>
+              <a:t>javadoc</a:t>
+            </a:r>
+            <a:r>
+              <a:rPr lang="en-IN" sz="1800" dirty="0"/>
+              <a:t> → Generates documentation </a:t>
+            </a:r>
+          </a:p>
+          <a:p>
+            <a:pPr marL="0" lvl="0" indent="0" eaLnBrk="0" fontAlgn="base" hangingPunct="0">
+              <a:lnSpc>
+                <a:spcPct val="100000"/>
+              </a:lnSpc>
+              <a:spcBef>
+                <a:spcPct val="0"/>
+              </a:spcBef>
+              <a:spcAft>
+                <a:spcPct val="0"/>
+              </a:spcAft>
+              <a:buNone/>
+            </a:pPr>
+            <a:r>
+              <a:rPr lang="en-IN" sz="1800" dirty="0"/>
+              <a:t>jar → Packages files into JARs </a:t>
+            </a:r>
+            <a:endParaRPr kumimoji="0" lang="en-US" altLang="en-US" sz="1800" b="1" i="0" u="none" strike="noStrike" cap="none" normalizeH="0" baseline="0" dirty="0">
+              <a:ln>
+                <a:noFill/>
+              </a:ln>
+              <a:solidFill>
+                <a:schemeClr val="tx1"/>
+              </a:solidFill>
+              <a:effectLst/>
+              <a:latin typeface="Arial" panose="020B0604020202020204" pitchFamily="34" charset="0"/>
+            </a:endParaRPr>
+          </a:p>
+          <a:p>
             <a:pPr marL="0" marR="0" lvl="0" indent="0" algn="l" defTabSz="914400" rtl="0" eaLnBrk="0" fontAlgn="base" latinLnBrk="0" hangingPunct="0">
               <a:lnSpc>
                 <a:spcPct val="100000"/>
@@ -5551,253 +6791,6 @@
     <p:extLst>
       <p:ext uri="{BB962C8B-B14F-4D97-AF65-F5344CB8AC3E}">
         <p14:creationId xmlns:p14="http://schemas.microsoft.com/office/powerpoint/2010/main" val="3642119957"/>
-      </p:ext>
-    </p:extLst>
-  </p:cSld>
-  <p:clrMapOvr>
-    <a:masterClrMapping/>
-  </p:clrMapOvr>
-</p:sld>
-</file>
-
-<file path=ppt/slides/slide5.xml><?xml version="1.0" encoding="utf-8"?>
-<p:sld xmlns:a="http://schemas.openxmlformats.org/drawingml/2006/main" xmlns:r="http://schemas.openxmlformats.org/officeDocument/2006/relationships" xmlns:p="http://schemas.openxmlformats.org/presentationml/2006/main">
-  <p:cSld>
-    <p:spTree>
-      <p:nvGrpSpPr>
-        <p:cNvPr id="1" name=""/>
-        <p:cNvGrpSpPr/>
-        <p:nvPr/>
-      </p:nvGrpSpPr>
-      <p:grpSpPr>
-        <a:xfrm>
-          <a:off x="0" y="0"/>
-          <a:ext cx="0" cy="0"/>
-          <a:chOff x="0" y="0"/>
-          <a:chExt cx="0" cy="0"/>
-        </a:xfrm>
-      </p:grpSpPr>
-      <p:sp>
-        <p:nvSpPr>
-          <p:cNvPr id="2" name="Title 1">
-            <a:extLst>
-              <a:ext uri="{FF2B5EF4-FFF2-40B4-BE49-F238E27FC236}">
-                <a16:creationId xmlns:a16="http://schemas.microsoft.com/office/drawing/2014/main" id="{55076711-B5C9-3CC8-2B77-83DCA9CBF9D0}"/>
-              </a:ext>
-            </a:extLst>
-          </p:cNvPr>
-          <p:cNvSpPr>
-            <a:spLocks noGrp="1"/>
-          </p:cNvSpPr>
-          <p:nvPr>
-            <p:ph type="title"/>
-          </p:nvPr>
-        </p:nvSpPr>
-        <p:spPr/>
-        <p:txBody>
-          <a:bodyPr/>
-          <a:lstStyle/>
-          <a:p>
-            <a:r>
-              <a:rPr lang="en-IN" dirty="0"/>
-              <a:t>Major concepts</a:t>
-            </a:r>
-          </a:p>
-        </p:txBody>
-      </p:sp>
-      <p:sp>
-        <p:nvSpPr>
-          <p:cNvPr id="3" name="Content Placeholder 2">
-            <a:extLst>
-              <a:ext uri="{FF2B5EF4-FFF2-40B4-BE49-F238E27FC236}">
-                <a16:creationId xmlns:a16="http://schemas.microsoft.com/office/drawing/2014/main" id="{997131EF-A5E9-F9DF-7A4F-D1528B11757E}"/>
-              </a:ext>
-            </a:extLst>
-          </p:cNvPr>
-          <p:cNvSpPr>
-            <a:spLocks noGrp="1"/>
-          </p:cNvSpPr>
-          <p:nvPr>
-            <p:ph idx="1"/>
-          </p:nvPr>
-        </p:nvSpPr>
-        <p:spPr/>
-        <p:txBody>
-          <a:bodyPr/>
-          <a:lstStyle/>
-          <a:p>
-            <a:r>
-              <a:rPr lang="en-IN" dirty="0"/>
-              <a:t>OOPs</a:t>
-            </a:r>
-          </a:p>
-          <a:p>
-            <a:r>
-              <a:rPr lang="en-IN" dirty="0"/>
-              <a:t>Exceptions</a:t>
-            </a:r>
-          </a:p>
-          <a:p>
-            <a:r>
-              <a:rPr lang="en-IN" dirty="0"/>
-              <a:t>Threads</a:t>
-            </a:r>
-          </a:p>
-          <a:p>
-            <a:r>
-              <a:rPr lang="en-IN" dirty="0"/>
-              <a:t>Collection framework</a:t>
-            </a:r>
-          </a:p>
-        </p:txBody>
-      </p:sp>
-    </p:spTree>
-    <p:extLst>
-      <p:ext uri="{BB962C8B-B14F-4D97-AF65-F5344CB8AC3E}">
-        <p14:creationId xmlns:p14="http://schemas.microsoft.com/office/powerpoint/2010/main" val="2601669929"/>
-      </p:ext>
-    </p:extLst>
-  </p:cSld>
-  <p:clrMapOvr>
-    <a:masterClrMapping/>
-  </p:clrMapOvr>
-</p:sld>
-</file>
-
-<file path=ppt/slides/slide6.xml><?xml version="1.0" encoding="utf-8"?>
-<p:sld xmlns:a="http://schemas.openxmlformats.org/drawingml/2006/main" xmlns:r="http://schemas.openxmlformats.org/officeDocument/2006/relationships" xmlns:p="http://schemas.openxmlformats.org/presentationml/2006/main">
-  <p:cSld>
-    <p:spTree>
-      <p:nvGrpSpPr>
-        <p:cNvPr id="1" name=""/>
-        <p:cNvGrpSpPr/>
-        <p:nvPr/>
-      </p:nvGrpSpPr>
-      <p:grpSpPr>
-        <a:xfrm>
-          <a:off x="0" y="0"/>
-          <a:ext cx="0" cy="0"/>
-          <a:chOff x="0" y="0"/>
-          <a:chExt cx="0" cy="0"/>
-        </a:xfrm>
-      </p:grpSpPr>
-      <p:sp>
-        <p:nvSpPr>
-          <p:cNvPr id="2" name="Title 1">
-            <a:extLst>
-              <a:ext uri="{FF2B5EF4-FFF2-40B4-BE49-F238E27FC236}">
-                <a16:creationId xmlns:a16="http://schemas.microsoft.com/office/drawing/2014/main" id="{9C9D033C-0BF1-A413-08AD-AA9B5F7DC7F4}"/>
-              </a:ext>
-            </a:extLst>
-          </p:cNvPr>
-          <p:cNvSpPr>
-            <a:spLocks noGrp="1"/>
-          </p:cNvSpPr>
-          <p:nvPr>
-            <p:ph type="title"/>
-          </p:nvPr>
-        </p:nvSpPr>
-        <p:spPr/>
-        <p:txBody>
-          <a:bodyPr/>
-          <a:lstStyle/>
-          <a:p>
-            <a:pPr algn="ctr"/>
-            <a:r>
-              <a:rPr lang="en-IN" dirty="0"/>
-              <a:t>OOPS</a:t>
-            </a:r>
-          </a:p>
-        </p:txBody>
-      </p:sp>
-      <p:sp>
-        <p:nvSpPr>
-          <p:cNvPr id="3" name="Content Placeholder 2">
-            <a:extLst>
-              <a:ext uri="{FF2B5EF4-FFF2-40B4-BE49-F238E27FC236}">
-                <a16:creationId xmlns:a16="http://schemas.microsoft.com/office/drawing/2014/main" id="{B50239F6-99C5-527E-3CCB-744D48AB3B36}"/>
-              </a:ext>
-            </a:extLst>
-          </p:cNvPr>
-          <p:cNvSpPr>
-            <a:spLocks noGrp="1"/>
-          </p:cNvSpPr>
-          <p:nvPr>
-            <p:ph idx="1"/>
-          </p:nvPr>
-        </p:nvSpPr>
-        <p:spPr/>
-        <p:txBody>
-          <a:bodyPr>
-            <a:normAutofit/>
-          </a:bodyPr>
-          <a:lstStyle/>
-          <a:p>
-            <a:r>
-              <a:rPr lang="en-IN" dirty="0"/>
-              <a:t>Class</a:t>
-            </a:r>
-            <a:endParaRPr lang="en-IN" b="0" dirty="0">
-              <a:effectLst/>
-            </a:endParaRPr>
-          </a:p>
-          <a:p>
-            <a:r>
-              <a:rPr lang="en-IN" dirty="0"/>
-              <a:t>Object</a:t>
-            </a:r>
-            <a:endParaRPr lang="en-IN" b="0" dirty="0">
-              <a:effectLst/>
-            </a:endParaRPr>
-          </a:p>
-          <a:p>
-            <a:r>
-              <a:rPr lang="en-IN" dirty="0"/>
-              <a:t>Inheritance</a:t>
-            </a:r>
-            <a:endParaRPr lang="en-IN" b="0" dirty="0">
-              <a:effectLst/>
-            </a:endParaRPr>
-          </a:p>
-          <a:p>
-            <a:r>
-              <a:rPr lang="en-IN" dirty="0"/>
-              <a:t>Polymorphism</a:t>
-            </a:r>
-            <a:endParaRPr lang="en-IN" b="0" dirty="0">
-              <a:effectLst/>
-            </a:endParaRPr>
-          </a:p>
-          <a:p>
-            <a:r>
-              <a:rPr lang="en-IN" dirty="0"/>
-              <a:t>Encapsulation</a:t>
-            </a:r>
-            <a:endParaRPr lang="en-IN" b="0" dirty="0">
-              <a:effectLst/>
-            </a:endParaRPr>
-          </a:p>
-          <a:p>
-            <a:r>
-              <a:rPr lang="en-IN" dirty="0"/>
-              <a:t>Abstraction </a:t>
-            </a:r>
-            <a:endParaRPr lang="en-IN" b="0" dirty="0">
-              <a:effectLst/>
-            </a:endParaRPr>
-          </a:p>
-          <a:p>
-            <a:pPr marL="0" indent="0">
-              <a:buNone/>
-            </a:pPr>
-            <a:endParaRPr lang="en-IN" dirty="0"/>
-          </a:p>
-        </p:txBody>
-      </p:sp>
-    </p:spTree>
-    <p:extLst>
-      <p:ext uri="{BB962C8B-B14F-4D97-AF65-F5344CB8AC3E}">
-        <p14:creationId xmlns:p14="http://schemas.microsoft.com/office/powerpoint/2010/main" val="2686069607"/>
       </p:ext>
     </p:extLst>
   </p:cSld>
@@ -5829,7 +6822,7 @@
           <p:cNvPr id="2" name="Title 1">
             <a:extLst>
               <a:ext uri="{FF2B5EF4-FFF2-40B4-BE49-F238E27FC236}">
-                <a16:creationId xmlns:a16="http://schemas.microsoft.com/office/drawing/2014/main" id="{D307CD2E-F2D3-3688-D43E-DFA19782163E}"/>
+                <a16:creationId xmlns:a16="http://schemas.microsoft.com/office/drawing/2014/main" id="{55076711-B5C9-3CC8-2B77-83DCA9CBF9D0}"/>
               </a:ext>
             </a:extLst>
           </p:cNvPr>
@@ -5847,7 +6840,7 @@
           <a:p>
             <a:r>
               <a:rPr lang="en-IN" dirty="0"/>
-              <a:t>Class and Object</a:t>
+              <a:t>Major concepts</a:t>
             </a:r>
           </a:p>
         </p:txBody>
@@ -5857,7 +6850,7 @@
           <p:cNvPr id="3" name="Content Placeholder 2">
             <a:extLst>
               <a:ext uri="{FF2B5EF4-FFF2-40B4-BE49-F238E27FC236}">
-                <a16:creationId xmlns:a16="http://schemas.microsoft.com/office/drawing/2014/main" id="{D3205452-C75C-4906-8618-A4F79BF03BDC}"/>
+                <a16:creationId xmlns:a16="http://schemas.microsoft.com/office/drawing/2014/main" id="{997131EF-A5E9-F9DF-7A4F-D1528B11757E}"/>
               </a:ext>
             </a:extLst>
           </p:cNvPr>
@@ -5868,224 +6861,52 @@
             <p:ph idx="1"/>
           </p:nvPr>
         </p:nvSpPr>
-        <p:spPr>
-          <a:xfrm>
-            <a:off x="838200" y="1825624"/>
-            <a:ext cx="10515600" cy="5032375"/>
-          </a:xfrm>
-        </p:spPr>
-        <p:txBody>
-          <a:bodyPr>
-            <a:normAutofit fontScale="25000" lnSpcReduction="20000"/>
-          </a:bodyPr>
+        <p:spPr/>
+        <p:txBody>
+          <a:bodyPr/>
           <a:lstStyle/>
           <a:p>
-            <a:pPr marL="0" indent="0">
-              <a:buNone/>
-            </a:pPr>
-            <a:r>
-              <a:rPr lang="en-US" sz="8000" dirty="0"/>
-              <a:t>Class : collection data members/properties  and methods/ behaviors.</a:t>
-            </a:r>
-            <a:endParaRPr lang="en-US" sz="8000" b="0" dirty="0">
-              <a:effectLst/>
-            </a:endParaRPr>
-          </a:p>
-          <a:p>
-            <a:pPr marL="0" indent="0">
-              <a:buNone/>
-            </a:pPr>
-            <a:r>
-              <a:rPr lang="en-US" sz="8000" dirty="0"/>
-              <a:t>Example :</a:t>
-            </a:r>
-            <a:endParaRPr lang="en-US" sz="8000" b="0" dirty="0">
-              <a:effectLst/>
-            </a:endParaRPr>
-          </a:p>
-          <a:p>
-            <a:pPr marL="0" indent="0">
-              <a:buNone/>
-            </a:pPr>
-            <a:r>
-              <a:rPr lang="en-US" sz="8000" dirty="0"/>
-              <a:t> class Car {</a:t>
-            </a:r>
-            <a:endParaRPr lang="en-US" sz="8000" b="0" dirty="0">
-              <a:effectLst/>
-            </a:endParaRPr>
-          </a:p>
-          <a:p>
-            <a:pPr marL="0" indent="0">
-              <a:buNone/>
-            </a:pPr>
-            <a:r>
-              <a:rPr lang="en-US" sz="8000" dirty="0"/>
-              <a:t>    String color;  // property</a:t>
-            </a:r>
-            <a:endParaRPr lang="en-US" sz="8000" b="0" dirty="0">
-              <a:effectLst/>
-            </a:endParaRPr>
-          </a:p>
-          <a:p>
-            <a:pPr marL="0" indent="0">
-              <a:buNone/>
-            </a:pPr>
-            <a:r>
-              <a:rPr lang="en-US" sz="8000" dirty="0"/>
-              <a:t>    void drive() { // behavior</a:t>
-            </a:r>
-            <a:endParaRPr lang="en-US" sz="8000" b="0" dirty="0">
-              <a:effectLst/>
-            </a:endParaRPr>
-          </a:p>
-          <a:p>
-            <a:pPr marL="0" indent="0">
-              <a:buNone/>
-            </a:pPr>
-            <a:r>
-              <a:rPr lang="en-US" sz="8000" dirty="0"/>
-              <a:t>        </a:t>
-            </a:r>
-            <a:r>
-              <a:rPr lang="en-US" sz="8000" dirty="0" err="1"/>
-              <a:t>System.out.println</a:t>
-            </a:r>
-            <a:r>
-              <a:rPr lang="en-US" sz="8000" dirty="0"/>
-              <a:t>("Car is driving");</a:t>
-            </a:r>
-            <a:endParaRPr lang="en-US" sz="8000" b="0" dirty="0">
-              <a:effectLst/>
-            </a:endParaRPr>
-          </a:p>
-          <a:p>
-            <a:pPr marL="0" indent="0">
-              <a:buNone/>
-            </a:pPr>
-            <a:r>
-              <a:rPr lang="en-US" sz="8000" dirty="0"/>
-              <a:t>    }</a:t>
-            </a:r>
-            <a:endParaRPr lang="en-US" sz="8000" b="0" dirty="0">
-              <a:effectLst/>
-            </a:endParaRPr>
-          </a:p>
-          <a:p>
-            <a:pPr marL="0" indent="0">
-              <a:buNone/>
-            </a:pPr>
-            <a:r>
-              <a:rPr lang="en-US" sz="8000" dirty="0"/>
-              <a:t>}</a:t>
-            </a:r>
-            <a:endParaRPr lang="en-US" sz="8000" b="0" dirty="0">
-              <a:effectLst/>
-            </a:endParaRPr>
-          </a:p>
-          <a:p>
-            <a:pPr marL="0" indent="0">
-              <a:buNone/>
-            </a:pPr>
-            <a:br>
-              <a:rPr lang="en-US" sz="8000" b="0" dirty="0">
-                <a:effectLst/>
-              </a:rPr>
-            </a:br>
-            <a:endParaRPr lang="en-US" sz="8000" b="0" dirty="0">
-              <a:effectLst/>
-            </a:endParaRPr>
-          </a:p>
-          <a:p>
-            <a:pPr marL="0" indent="0">
-              <a:buNone/>
-            </a:pPr>
-            <a:br>
-              <a:rPr lang="en-US" sz="8000" dirty="0"/>
-            </a:br>
-            <a:r>
-              <a:rPr lang="en-US" sz="8000" dirty="0"/>
-              <a:t>Object An </a:t>
-            </a:r>
-            <a:r>
-              <a:rPr lang="en-US" sz="8000" b="1" dirty="0"/>
-              <a:t>object</a:t>
-            </a:r>
-            <a:r>
-              <a:rPr lang="en-US" sz="8000" dirty="0"/>
-              <a:t> is an instance of a class</a:t>
-            </a:r>
-            <a:endParaRPr lang="en-US" sz="8000" b="0" dirty="0">
-              <a:effectLst/>
-            </a:endParaRPr>
-          </a:p>
-          <a:p>
-            <a:pPr marL="0" indent="0">
-              <a:buNone/>
-            </a:pPr>
-            <a:r>
-              <a:rPr lang="en-US" sz="8000" dirty="0"/>
-              <a:t>Car </a:t>
-            </a:r>
-            <a:r>
-              <a:rPr lang="en-US" sz="8000" dirty="0" err="1"/>
-              <a:t>myCar</a:t>
-            </a:r>
-            <a:r>
-              <a:rPr lang="en-US" sz="8000" dirty="0"/>
-              <a:t> = new Car();  // creating an object</a:t>
-            </a:r>
-            <a:endParaRPr lang="en-US" sz="8000" b="0" dirty="0">
-              <a:effectLst/>
-            </a:endParaRPr>
-          </a:p>
-          <a:p>
-            <a:pPr marL="0" indent="0">
-              <a:buNone/>
-            </a:pPr>
-            <a:r>
-              <a:rPr lang="en-US" sz="8000" dirty="0" err="1"/>
-              <a:t>myCar.color</a:t>
-            </a:r>
-            <a:r>
-              <a:rPr lang="en-US" sz="8000" dirty="0"/>
-              <a:t> = "Red";</a:t>
-            </a:r>
-            <a:endParaRPr lang="en-US" sz="8000" b="0" dirty="0">
-              <a:effectLst/>
-            </a:endParaRPr>
-          </a:p>
-          <a:p>
-            <a:pPr marL="0" indent="0">
-              <a:buNone/>
-            </a:pPr>
-            <a:r>
-              <a:rPr lang="en-US" sz="8000" dirty="0" err="1"/>
-              <a:t>myCar.drive</a:t>
-            </a:r>
-            <a:r>
-              <a:rPr lang="en-US" sz="8000" dirty="0"/>
-              <a:t>(); // calling method</a:t>
-            </a:r>
-            <a:endParaRPr lang="en-US" sz="8000" b="0" dirty="0">
-              <a:effectLst/>
-            </a:endParaRPr>
-          </a:p>
-          <a:p>
-            <a:pPr marL="0" indent="0">
-              <a:buNone/>
-            </a:pPr>
-            <a:br>
-              <a:rPr lang="en-US" dirty="0"/>
-            </a:br>
-            <a:endParaRPr lang="en-IN" dirty="0"/>
+            <a:r>
+              <a:rPr lang="en-IN" dirty="0"/>
+              <a:t>OOPs</a:t>
+            </a:r>
+          </a:p>
+          <a:p>
+            <a:r>
+              <a:rPr lang="en-IN" dirty="0"/>
+              <a:t>Arrays, Strings</a:t>
+            </a:r>
+          </a:p>
+          <a:p>
+            <a:r>
+              <a:rPr lang="en-IN" dirty="0"/>
+              <a:t>Interface, Abstract class</a:t>
+            </a:r>
+          </a:p>
+          <a:p>
+            <a:r>
+              <a:rPr lang="en-IN" dirty="0"/>
+              <a:t>Exceptions</a:t>
+            </a:r>
+          </a:p>
+          <a:p>
+            <a:r>
+              <a:rPr lang="en-IN" dirty="0"/>
+              <a:t>Threads</a:t>
+            </a:r>
+          </a:p>
+          <a:p>
+            <a:r>
+              <a:rPr lang="en-IN" dirty="0"/>
+              <a:t>Collection framework</a:t>
+            </a:r>
           </a:p>
         </p:txBody>
       </p:sp>
     </p:spTree>
     <p:extLst>
       <p:ext uri="{BB962C8B-B14F-4D97-AF65-F5344CB8AC3E}">
-        <p14:creationId xmlns:p14="http://schemas.microsoft.com/office/powerpoint/2010/main" val="2775092025"/>
+        <p14:creationId xmlns:p14="http://schemas.microsoft.com/office/powerpoint/2010/main" val="2601669929"/>
       </p:ext>
     </p:extLst>
   </p:cSld>
@@ -6117,7 +6938,7 @@
           <p:cNvPr id="2" name="Title 1">
             <a:extLst>
               <a:ext uri="{FF2B5EF4-FFF2-40B4-BE49-F238E27FC236}">
-                <a16:creationId xmlns:a16="http://schemas.microsoft.com/office/drawing/2014/main" id="{3C8929DE-4B4E-165F-2EC9-9E0B021F4E60}"/>
+                <a16:creationId xmlns:a16="http://schemas.microsoft.com/office/drawing/2014/main" id="{9C9D033C-0BF1-A413-08AD-AA9B5F7DC7F4}"/>
               </a:ext>
             </a:extLst>
           </p:cNvPr>
@@ -6133,9 +6954,10 @@
           <a:bodyPr/>
           <a:lstStyle/>
           <a:p>
+            <a:pPr algn="ctr"/>
             <a:r>
               <a:rPr lang="en-IN" dirty="0"/>
-              <a:t>Inheritance </a:t>
+              <a:t>OOPS</a:t>
             </a:r>
           </a:p>
         </p:txBody>
@@ -6145,7 +6967,7 @@
           <p:cNvPr id="3" name="Content Placeholder 2">
             <a:extLst>
               <a:ext uri="{FF2B5EF4-FFF2-40B4-BE49-F238E27FC236}">
-                <a16:creationId xmlns:a16="http://schemas.microsoft.com/office/drawing/2014/main" id="{1573CE01-18DB-7C80-EDC6-48F01B50DBAC}"/>
+                <a16:creationId xmlns:a16="http://schemas.microsoft.com/office/drawing/2014/main" id="{B50239F6-99C5-527E-3CCB-744D48AB3B36}"/>
               </a:ext>
             </a:extLst>
           </p:cNvPr>
@@ -6156,114 +6978,63 @@
             <p:ph idx="1"/>
           </p:nvPr>
         </p:nvSpPr>
-        <p:spPr>
-          <a:xfrm>
-            <a:off x="838200" y="1298448"/>
-            <a:ext cx="10515600" cy="5495544"/>
-          </a:xfrm>
-        </p:spPr>
+        <p:spPr/>
         <p:txBody>
           <a:bodyPr>
-            <a:noAutofit/>
+            <a:normAutofit/>
           </a:bodyPr>
           <a:lstStyle/>
           <a:p>
-            <a:pPr marL="0" indent="0">
-              <a:buNone/>
-            </a:pPr>
-            <a:r>
-              <a:rPr lang="en-IN" sz="1800" b="1" dirty="0"/>
-              <a:t>acquires the properties and behaviours</a:t>
-            </a:r>
-            <a:r>
-              <a:rPr lang="en-IN" sz="1800" dirty="0"/>
-              <a:t> of another class (parent).</a:t>
-            </a:r>
-            <a:endParaRPr lang="en-IN" sz="1800" b="0" dirty="0">
+            <a:r>
+              <a:rPr lang="en-IN" dirty="0"/>
+              <a:t>Class</a:t>
+            </a:r>
+            <a:endParaRPr lang="en-IN" b="0" dirty="0">
               <a:effectLst/>
             </a:endParaRPr>
           </a:p>
           <a:p>
-            <a:pPr marL="0" indent="0">
-              <a:buNone/>
-            </a:pPr>
-            <a:r>
-              <a:rPr lang="en-IN" sz="1800" dirty="0"/>
-              <a:t>It promotes </a:t>
-            </a:r>
-            <a:r>
-              <a:rPr lang="en-IN" sz="1800" b="1" dirty="0"/>
-              <a:t>code reusability</a:t>
-            </a:r>
-            <a:r>
-              <a:rPr lang="en-IN" sz="1800" dirty="0"/>
-              <a:t> and </a:t>
-            </a:r>
-            <a:r>
-              <a:rPr lang="en-IN" sz="1800" b="1" dirty="0"/>
-              <a:t>method overriding</a:t>
-            </a:r>
-            <a:r>
-              <a:rPr lang="en-IN" sz="1800" dirty="0"/>
-              <a:t> (polymorphism).</a:t>
-            </a:r>
-            <a:endParaRPr lang="en-IN" sz="1800" b="0" dirty="0">
+            <a:r>
+              <a:rPr lang="en-IN" dirty="0"/>
+              <a:t>Object</a:t>
+            </a:r>
+            <a:endParaRPr lang="en-IN" b="0" dirty="0">
               <a:effectLst/>
             </a:endParaRPr>
           </a:p>
           <a:p>
-            <a:pPr marL="0" indent="0">
-              <a:buNone/>
-            </a:pPr>
-            <a:r>
-              <a:rPr lang="en-IN" sz="1800" dirty="0"/>
-              <a:t>class Animal {</a:t>
-            </a:r>
-            <a:endParaRPr lang="en-IN" sz="1800" b="0" dirty="0">
+            <a:r>
+              <a:rPr lang="en-IN" dirty="0"/>
+              <a:t>Inheritance</a:t>
+            </a:r>
+            <a:endParaRPr lang="en-IN" b="0" dirty="0">
               <a:effectLst/>
             </a:endParaRPr>
           </a:p>
           <a:p>
-            <a:pPr marL="0" indent="0">
-              <a:buNone/>
-            </a:pPr>
-            <a:r>
-              <a:rPr lang="en-IN" sz="1800" dirty="0"/>
-              <a:t>    void eat() {</a:t>
-            </a:r>
-            <a:endParaRPr lang="en-IN" sz="1800" b="0" dirty="0">
+            <a:r>
+              <a:rPr lang="en-IN" dirty="0"/>
+              <a:t>Polymorphism</a:t>
+            </a:r>
+            <a:endParaRPr lang="en-IN" b="0" dirty="0">
               <a:effectLst/>
             </a:endParaRPr>
           </a:p>
           <a:p>
-            <a:pPr marL="0" indent="0">
-              <a:buNone/>
-            </a:pPr>
-            <a:r>
-              <a:rPr lang="en-IN" sz="1800" dirty="0"/>
-              <a:t>        </a:t>
-            </a:r>
-            <a:r>
-              <a:rPr lang="en-IN" sz="1800" dirty="0" err="1"/>
-              <a:t>System.out.println</a:t>
-            </a:r>
-            <a:r>
-              <a:rPr lang="en-IN" sz="1800" dirty="0"/>
-              <a:t>("Animal eats food");</a:t>
-            </a:r>
-            <a:endParaRPr lang="en-IN" sz="1800" b="0" dirty="0">
+            <a:r>
+              <a:rPr lang="en-IN" dirty="0"/>
+              <a:t>Encapsulation</a:t>
+            </a:r>
+            <a:endParaRPr lang="en-IN" b="0" dirty="0">
               <a:effectLst/>
             </a:endParaRPr>
           </a:p>
           <a:p>
-            <a:pPr marL="0" indent="0">
-              <a:buNone/>
-            </a:pPr>
-            <a:r>
-              <a:rPr lang="en-IN" sz="1800" dirty="0"/>
-              <a:t>    }</a:t>
-            </a:r>
-            <a:endParaRPr lang="en-IN" sz="1800" b="0" dirty="0">
+            <a:r>
+              <a:rPr lang="en-IN" dirty="0"/>
+              <a:t>Abstraction </a:t>
+            </a:r>
+            <a:endParaRPr lang="en-IN" b="0" dirty="0">
               <a:effectLst/>
             </a:endParaRPr>
           </a:p>
@@ -6271,135 +7042,14 @@
             <a:pPr marL="0" indent="0">
               <a:buNone/>
             </a:pPr>
-            <a:r>
-              <a:rPr lang="en-IN" sz="1800" dirty="0"/>
-              <a:t>}</a:t>
-            </a:r>
-            <a:endParaRPr lang="en-IN" sz="1800" b="0" dirty="0">
-              <a:effectLst/>
-            </a:endParaRPr>
-          </a:p>
-          <a:p>
-            <a:pPr marL="0" indent="0">
-              <a:buNone/>
-            </a:pPr>
-            <a:br>
-              <a:rPr lang="en-IN" sz="1800" b="0" dirty="0">
-                <a:effectLst/>
-              </a:rPr>
-            </a:br>
-            <a:endParaRPr lang="en-IN" sz="1800" b="0" dirty="0">
-              <a:effectLst/>
-            </a:endParaRPr>
-          </a:p>
-          <a:p>
-            <a:pPr marL="0" indent="0">
-              <a:buNone/>
-            </a:pPr>
-            <a:r>
-              <a:rPr lang="en-IN" sz="1800" dirty="0"/>
-              <a:t>// Child class (inherits Animal)</a:t>
-            </a:r>
-            <a:endParaRPr lang="en-IN" sz="1800" b="0" dirty="0">
-              <a:effectLst/>
-            </a:endParaRPr>
-          </a:p>
-          <a:p>
-            <a:pPr marL="0" indent="0">
-              <a:buNone/>
-            </a:pPr>
-            <a:r>
-              <a:rPr lang="en-IN" sz="1800" dirty="0"/>
-              <a:t>class Dog extends Animal {</a:t>
-            </a:r>
-            <a:endParaRPr lang="en-IN" sz="1800" b="0" dirty="0">
-              <a:effectLst/>
-            </a:endParaRPr>
-          </a:p>
-          <a:p>
-            <a:pPr marL="0" indent="0">
-              <a:buNone/>
-            </a:pPr>
-            <a:r>
-              <a:rPr lang="en-IN" sz="1800" dirty="0"/>
-              <a:t>    void bark() {</a:t>
-            </a:r>
-            <a:endParaRPr lang="en-IN" sz="1800" b="0" dirty="0">
-              <a:effectLst/>
-            </a:endParaRPr>
-          </a:p>
-          <a:p>
-            <a:pPr marL="0" indent="0">
-              <a:buNone/>
-            </a:pPr>
-            <a:r>
-              <a:rPr lang="en-IN" sz="1800" dirty="0"/>
-              <a:t>        </a:t>
-            </a:r>
-            <a:r>
-              <a:rPr lang="en-IN" sz="1800" dirty="0" err="1"/>
-              <a:t>System.out.println</a:t>
-            </a:r>
-            <a:r>
-              <a:rPr lang="en-IN" sz="1800" dirty="0"/>
-              <a:t>("Dog barks");</a:t>
-            </a:r>
-            <a:endParaRPr lang="en-IN" sz="1800" b="0" dirty="0">
-              <a:effectLst/>
-            </a:endParaRPr>
-          </a:p>
-          <a:p>
-            <a:pPr marL="0" indent="0">
-              <a:buNone/>
-            </a:pPr>
-            <a:r>
-              <a:rPr lang="en-IN" sz="1800" dirty="0"/>
-              <a:t>    }</a:t>
-            </a:r>
-            <a:endParaRPr lang="en-IN" sz="1800" b="0" dirty="0">
-              <a:effectLst/>
-            </a:endParaRPr>
-          </a:p>
-          <a:p>
-            <a:pPr marL="0" indent="0">
-              <a:buNone/>
-            </a:pPr>
-            <a:r>
-              <a:rPr lang="en-IN" sz="1800" dirty="0"/>
-              <a:t>}</a:t>
-            </a:r>
-            <a:endParaRPr lang="en-IN" sz="1800" b="0" dirty="0">
-              <a:effectLst/>
-            </a:endParaRPr>
-          </a:p>
-          <a:p>
-            <a:pPr marL="0" indent="0">
-              <a:buNone/>
-            </a:pPr>
-            <a:br>
-              <a:rPr lang="en-IN" sz="1800" b="0" dirty="0">
-                <a:effectLst/>
-              </a:rPr>
-            </a:br>
-            <a:endParaRPr lang="en-IN" sz="1800" b="0" dirty="0">
-              <a:effectLst/>
-            </a:endParaRPr>
-          </a:p>
-          <a:p>
-            <a:pPr marL="0" indent="0">
-              <a:buNone/>
-            </a:pPr>
-            <a:br>
-              <a:rPr lang="en-IN" sz="1800" dirty="0"/>
-            </a:br>
-            <a:endParaRPr lang="en-IN" sz="1800" dirty="0"/>
+            <a:endParaRPr lang="en-IN" dirty="0"/>
           </a:p>
         </p:txBody>
       </p:sp>
     </p:spTree>
     <p:extLst>
       <p:ext uri="{BB962C8B-B14F-4D97-AF65-F5344CB8AC3E}">
-        <p14:creationId xmlns:p14="http://schemas.microsoft.com/office/powerpoint/2010/main" val="3386317900"/>
+        <p14:creationId xmlns:p14="http://schemas.microsoft.com/office/powerpoint/2010/main" val="2686069607"/>
       </p:ext>
     </p:extLst>
   </p:cSld>
@@ -6431,7 +7081,7 @@
           <p:cNvPr id="2" name="Title 1">
             <a:extLst>
               <a:ext uri="{FF2B5EF4-FFF2-40B4-BE49-F238E27FC236}">
-                <a16:creationId xmlns:a16="http://schemas.microsoft.com/office/drawing/2014/main" id="{483AE3D8-0BFF-2260-576D-C53D7CBDCE96}"/>
+                <a16:creationId xmlns:a16="http://schemas.microsoft.com/office/drawing/2014/main" id="{D307CD2E-F2D3-3688-D43E-DFA19782163E}"/>
               </a:ext>
             </a:extLst>
           </p:cNvPr>
@@ -6448,10 +7098,9 @@
           <a:lstStyle/>
           <a:p>
             <a:r>
-              <a:rPr lang="en-US" dirty="0"/>
-              <a:t>Abstraction</a:t>
-            </a:r>
-            <a:endParaRPr lang="en-IN" dirty="0"/>
+              <a:rPr lang="en-IN" dirty="0"/>
+              <a:t>Class and Object</a:t>
+            </a:r>
           </a:p>
         </p:txBody>
       </p:sp>
@@ -6460,7 +7109,7 @@
           <p:cNvPr id="3" name="Content Placeholder 2">
             <a:extLst>
               <a:ext uri="{FF2B5EF4-FFF2-40B4-BE49-F238E27FC236}">
-                <a16:creationId xmlns:a16="http://schemas.microsoft.com/office/drawing/2014/main" id="{3100568E-5638-5BF0-2749-A96E93BE48F2}"/>
+                <a16:creationId xmlns:a16="http://schemas.microsoft.com/office/drawing/2014/main" id="{D3205452-C75C-4906-8618-A4F79BF03BDC}"/>
               </a:ext>
             </a:extLst>
           </p:cNvPr>
@@ -6471,10 +7120,15 @@
             <p:ph idx="1"/>
           </p:nvPr>
         </p:nvSpPr>
-        <p:spPr/>
+        <p:spPr>
+          <a:xfrm>
+            <a:off x="838200" y="1825624"/>
+            <a:ext cx="10515600" cy="5032375"/>
+          </a:xfrm>
+        </p:spPr>
         <p:txBody>
           <a:bodyPr>
-            <a:noAutofit/>
+            <a:normAutofit fontScale="25000" lnSpcReduction="20000"/>
           </a:bodyPr>
           <a:lstStyle/>
           <a:p>
@@ -6482,29 +7136,10 @@
               <a:buNone/>
             </a:pPr>
             <a:r>
-              <a:rPr lang="en-US" sz="2000" dirty="0"/>
-              <a:t>hiding implementation details and showing only the required functionality.</a:t>
-            </a:r>
-            <a:endParaRPr lang="en-IN" sz="2000" dirty="0"/>
-          </a:p>
-          <a:p>
-            <a:pPr marL="0" indent="0">
-              <a:buNone/>
-            </a:pPr>
-            <a:r>
-              <a:rPr lang="en-IN" sz="2000" dirty="0"/>
-              <a:t>To Achieve 100 % abstraction</a:t>
-            </a:r>
-          </a:p>
-          <a:p>
-            <a:pPr marL="0" indent="0">
-              <a:buNone/>
-            </a:pPr>
-            <a:r>
-              <a:rPr lang="en-IN" sz="2000" dirty="0"/>
-              <a:t>interface Shape {</a:t>
-            </a:r>
-            <a:endParaRPr lang="en-IN" sz="2000" b="0" dirty="0">
+              <a:rPr lang="en-US" sz="8000" dirty="0"/>
+              <a:t>Class : collection data members/properties  and methods/ behaviors.</a:t>
+            </a:r>
+            <a:endParaRPr lang="en-US" sz="8000" b="0" dirty="0">
               <a:effectLst/>
             </a:endParaRPr>
           </a:p>
@@ -6513,18 +7148,10 @@
               <a:buNone/>
             </a:pPr>
             <a:r>
-              <a:rPr lang="en-IN" sz="2000" dirty="0"/>
-              <a:t>    void draw(); // </a:t>
-            </a:r>
-            <a:r>
-              <a:rPr lang="en-IN" sz="2000" dirty="0" err="1"/>
-              <a:t>behavior</a:t>
-            </a:r>
-            <a:r>
-              <a:rPr lang="en-IN" sz="2000" dirty="0"/>
-              <a:t> only</a:t>
-            </a:r>
-            <a:endParaRPr lang="en-IN" sz="2000" b="0" dirty="0">
+              <a:rPr lang="en-US" sz="8000" dirty="0"/>
+              <a:t>Example :</a:t>
+            </a:r>
+            <a:endParaRPr lang="en-US" sz="8000" b="0" dirty="0">
               <a:effectLst/>
             </a:endParaRPr>
           </a:p>
@@ -6533,10 +7160,10 @@
               <a:buNone/>
             </a:pPr>
             <a:r>
-              <a:rPr lang="en-IN" sz="2000" dirty="0"/>
-              <a:t>}</a:t>
-            </a:r>
-            <a:endParaRPr lang="en-IN" sz="2000" b="0" dirty="0">
+              <a:rPr lang="en-US" sz="8000" dirty="0"/>
+              <a:t> class Car {</a:t>
+            </a:r>
+            <a:endParaRPr lang="en-US" sz="8000" b="0" dirty="0">
               <a:effectLst/>
             </a:endParaRPr>
           </a:p>
@@ -6544,12 +7171,80 @@
             <a:pPr marL="0" indent="0">
               <a:buNone/>
             </a:pPr>
+            <a:r>
+              <a:rPr lang="en-US" sz="8000" dirty="0"/>
+              <a:t>    String color;  // property</a:t>
+            </a:r>
+            <a:endParaRPr lang="en-US" sz="8000" b="0" dirty="0">
+              <a:effectLst/>
+            </a:endParaRPr>
+          </a:p>
+          <a:p>
+            <a:pPr marL="0" indent="0">
+              <a:buNone/>
+            </a:pPr>
+            <a:r>
+              <a:rPr lang="en-US" sz="8000" dirty="0"/>
+              <a:t>    void drive() { // behavior</a:t>
+            </a:r>
+            <a:endParaRPr lang="en-US" sz="8000" b="0" dirty="0">
+              <a:effectLst/>
+            </a:endParaRPr>
+          </a:p>
+          <a:p>
+            <a:pPr marL="0" indent="0">
+              <a:buNone/>
+            </a:pPr>
+            <a:r>
+              <a:rPr lang="en-US" sz="8000" dirty="0"/>
+              <a:t>        </a:t>
+            </a:r>
+            <a:r>
+              <a:rPr lang="en-US" sz="8000" dirty="0" err="1"/>
+              <a:t>System.out.println</a:t>
+            </a:r>
+            <a:r>
+              <a:rPr lang="en-US" sz="8000" dirty="0"/>
+              <a:t>("Car is driving");</a:t>
+            </a:r>
+            <a:endParaRPr lang="en-US" sz="8000" b="0" dirty="0">
+              <a:effectLst/>
+            </a:endParaRPr>
+          </a:p>
+          <a:p>
+            <a:pPr marL="0" indent="0">
+              <a:buNone/>
+            </a:pPr>
+            <a:r>
+              <a:rPr lang="en-US" sz="8000" dirty="0"/>
+              <a:t>    }</a:t>
+            </a:r>
+            <a:endParaRPr lang="en-US" sz="8000" b="0" dirty="0">
+              <a:effectLst/>
+            </a:endParaRPr>
+          </a:p>
+          <a:p>
+            <a:pPr marL="0" indent="0">
+              <a:buNone/>
+            </a:pPr>
+            <a:r>
+              <a:rPr lang="en-US" sz="8000" dirty="0"/>
+              <a:t>}</a:t>
+            </a:r>
+            <a:endParaRPr lang="en-US" sz="8000" b="0" dirty="0">
+              <a:effectLst/>
+            </a:endParaRPr>
+          </a:p>
+          <a:p>
+            <a:pPr marL="0" indent="0">
+              <a:buNone/>
+            </a:pPr>
             <a:br>
-              <a:rPr lang="en-IN" sz="2000" b="0" dirty="0">
+              <a:rPr lang="en-US" sz="8000" b="0" dirty="0">
                 <a:effectLst/>
               </a:rPr>
             </a:br>
-            <a:endParaRPr lang="en-IN" sz="2000" b="0" dirty="0">
+            <a:endParaRPr lang="en-US" sz="8000" b="0" dirty="0">
               <a:effectLst/>
             </a:endParaRPr>
           </a:p>
@@ -6557,11 +7252,22 @@
             <a:pPr marL="0" indent="0">
               <a:buNone/>
             </a:pPr>
-            <a:r>
-              <a:rPr lang="en-IN" sz="2000" dirty="0"/>
-              <a:t>abstract class Animal {</a:t>
-            </a:r>
-            <a:endParaRPr lang="en-IN" sz="2000" b="0" dirty="0">
+            <a:br>
+              <a:rPr lang="en-US" sz="8000" dirty="0"/>
+            </a:br>
+            <a:r>
+              <a:rPr lang="en-US" sz="8000" dirty="0"/>
+              <a:t>Object An </a:t>
+            </a:r>
+            <a:r>
+              <a:rPr lang="en-US" sz="8000" b="1" dirty="0"/>
+              <a:t>object</a:t>
+            </a:r>
+            <a:r>
+              <a:rPr lang="en-US" sz="8000" dirty="0"/>
+              <a:t> is an instance of a class</a:t>
+            </a:r>
+            <a:endParaRPr lang="en-US" sz="8000" b="0" dirty="0">
               <a:effectLst/>
             </a:endParaRPr>
           </a:p>
@@ -6570,10 +7276,18 @@
               <a:buNone/>
             </a:pPr>
             <a:r>
-              <a:rPr lang="en-IN" sz="2000" dirty="0"/>
-              <a:t>    abstract void sound();  // abstract method</a:t>
-            </a:r>
-            <a:endParaRPr lang="en-IN" sz="2000" b="0" dirty="0">
+              <a:rPr lang="en-US" sz="8000" dirty="0"/>
+              <a:t>Car </a:t>
+            </a:r>
+            <a:r>
+              <a:rPr lang="en-US" sz="8000" dirty="0" err="1"/>
+              <a:t>myCar</a:t>
+            </a:r>
+            <a:r>
+              <a:rPr lang="en-US" sz="8000" dirty="0"/>
+              <a:t> = new Car();  // creating an object</a:t>
+            </a:r>
+            <a:endParaRPr lang="en-US" sz="8000" b="0" dirty="0">
               <a:effectLst/>
             </a:endParaRPr>
           </a:p>
@@ -6582,10 +7296,14 @@
               <a:buNone/>
             </a:pPr>
             <a:r>
-              <a:rPr lang="en-IN" sz="2000" dirty="0"/>
-              <a:t>    void sleep() {         // concrete method</a:t>
-            </a:r>
-            <a:endParaRPr lang="en-IN" sz="2000" b="0" dirty="0">
+              <a:rPr lang="en-US" sz="8000" dirty="0" err="1"/>
+              <a:t>myCar.color</a:t>
+            </a:r>
+            <a:r>
+              <a:rPr lang="en-US" sz="8000" dirty="0"/>
+              <a:t> = "Red";</a:t>
+            </a:r>
+            <a:endParaRPr lang="en-US" sz="8000" b="0" dirty="0">
               <a:effectLst/>
             </a:endParaRPr>
           </a:p>
@@ -6594,18 +7312,14 @@
               <a:buNone/>
             </a:pPr>
             <a:r>
-              <a:rPr lang="en-IN" sz="2000" dirty="0"/>
-              <a:t>        </a:t>
-            </a:r>
-            <a:r>
-              <a:rPr lang="en-IN" sz="2000" dirty="0" err="1"/>
-              <a:t>System.out.println</a:t>
-            </a:r>
-            <a:r>
-              <a:rPr lang="en-IN" sz="2000" dirty="0"/>
-              <a:t>("Sleeping");</a:t>
-            </a:r>
-            <a:endParaRPr lang="en-IN" sz="2000" b="0" dirty="0">
+              <a:rPr lang="en-US" sz="8000" dirty="0" err="1"/>
+              <a:t>myCar.drive</a:t>
+            </a:r>
+            <a:r>
+              <a:rPr lang="en-US" sz="8000" dirty="0"/>
+              <a:t>(); // calling method</a:t>
+            </a:r>
+            <a:endParaRPr lang="en-US" sz="8000" b="0" dirty="0">
               <a:effectLst/>
             </a:endParaRPr>
           </a:p>
@@ -6613,29 +7327,17 @@
             <a:pPr marL="0" indent="0">
               <a:buNone/>
             </a:pPr>
-            <a:r>
-              <a:rPr lang="en-IN" sz="2000" dirty="0"/>
-              <a:t>    }</a:t>
-            </a:r>
-            <a:endParaRPr lang="en-IN" sz="2000" b="0" dirty="0">
-              <a:effectLst/>
-            </a:endParaRPr>
-          </a:p>
-          <a:p>
-            <a:pPr marL="0" indent="0">
-              <a:buNone/>
-            </a:pPr>
             <a:br>
-              <a:rPr lang="en-IN" sz="2000" dirty="0"/>
+              <a:rPr lang="en-US" dirty="0"/>
             </a:br>
-            <a:endParaRPr lang="en-IN" sz="2000" dirty="0"/>
+            <a:endParaRPr lang="en-IN" dirty="0"/>
           </a:p>
         </p:txBody>
       </p:sp>
     </p:spTree>
     <p:extLst>
       <p:ext uri="{BB962C8B-B14F-4D97-AF65-F5344CB8AC3E}">
-        <p14:creationId xmlns:p14="http://schemas.microsoft.com/office/powerpoint/2010/main" val="2646381171"/>
+        <p14:creationId xmlns:p14="http://schemas.microsoft.com/office/powerpoint/2010/main" val="2775092025"/>
       </p:ext>
     </p:extLst>
   </p:cSld>
